--- a/PMP/cheat sheet/PMP Cheat Sheet (PMBOK6).pptx
+++ b/PMP/cheat sheet/PMP Cheat Sheet (PMBOK6).pptx
@@ -243,7 +243,7 @@
           <a:p>
             <a:fld id="{07F3E820-8E0F-8F47-85B0-AFF03224420A}" type="datetimeFigureOut">
               <a:rPr lang="en-US" smtClean="0"/>
-              <a:t>1/2/2019</a:t>
+              <a:t>1/28/2019</a:t>
             </a:fld>
             <a:endParaRPr lang="en-US"/>
           </a:p>
@@ -408,7 +408,7 @@
           <a:p>
             <a:fld id="{07F3E820-8E0F-8F47-85B0-AFF03224420A}" type="datetimeFigureOut">
               <a:rPr lang="en-US" smtClean="0"/>
-              <a:t>1/2/2019</a:t>
+              <a:t>1/28/2019</a:t>
             </a:fld>
             <a:endParaRPr lang="en-US"/>
           </a:p>
@@ -583,7 +583,7 @@
           <a:p>
             <a:fld id="{07F3E820-8E0F-8F47-85B0-AFF03224420A}" type="datetimeFigureOut">
               <a:rPr lang="en-US" smtClean="0"/>
-              <a:t>1/2/2019</a:t>
+              <a:t>1/28/2019</a:t>
             </a:fld>
             <a:endParaRPr lang="en-US"/>
           </a:p>
@@ -748,7 +748,7 @@
           <a:p>
             <a:fld id="{07F3E820-8E0F-8F47-85B0-AFF03224420A}" type="datetimeFigureOut">
               <a:rPr lang="en-US" smtClean="0"/>
-              <a:t>1/2/2019</a:t>
+              <a:t>1/28/2019</a:t>
             </a:fld>
             <a:endParaRPr lang="en-US"/>
           </a:p>
@@ -987,7 +987,7 @@
           <a:p>
             <a:fld id="{07F3E820-8E0F-8F47-85B0-AFF03224420A}" type="datetimeFigureOut">
               <a:rPr lang="en-US" smtClean="0"/>
-              <a:t>1/2/2019</a:t>
+              <a:t>1/28/2019</a:t>
             </a:fld>
             <a:endParaRPr lang="en-US"/>
           </a:p>
@@ -1214,7 +1214,7 @@
           <a:p>
             <a:fld id="{07F3E820-8E0F-8F47-85B0-AFF03224420A}" type="datetimeFigureOut">
               <a:rPr lang="en-US" smtClean="0"/>
-              <a:t>1/2/2019</a:t>
+              <a:t>1/28/2019</a:t>
             </a:fld>
             <a:endParaRPr lang="en-US"/>
           </a:p>
@@ -1576,7 +1576,7 @@
           <a:p>
             <a:fld id="{07F3E820-8E0F-8F47-85B0-AFF03224420A}" type="datetimeFigureOut">
               <a:rPr lang="en-US" smtClean="0"/>
-              <a:t>1/2/2019</a:t>
+              <a:t>1/28/2019</a:t>
             </a:fld>
             <a:endParaRPr lang="en-US"/>
           </a:p>
@@ -1689,7 +1689,7 @@
           <a:p>
             <a:fld id="{07F3E820-8E0F-8F47-85B0-AFF03224420A}" type="datetimeFigureOut">
               <a:rPr lang="en-US" smtClean="0"/>
-              <a:t>1/2/2019</a:t>
+              <a:t>1/28/2019</a:t>
             </a:fld>
             <a:endParaRPr lang="en-US"/>
           </a:p>
@@ -1779,7 +1779,7 @@
           <a:p>
             <a:fld id="{07F3E820-8E0F-8F47-85B0-AFF03224420A}" type="datetimeFigureOut">
               <a:rPr lang="en-US" smtClean="0"/>
-              <a:t>1/2/2019</a:t>
+              <a:t>1/28/2019</a:t>
             </a:fld>
             <a:endParaRPr lang="en-US"/>
           </a:p>
@@ -2051,7 +2051,7 @@
           <a:p>
             <a:fld id="{07F3E820-8E0F-8F47-85B0-AFF03224420A}" type="datetimeFigureOut">
               <a:rPr lang="en-US" smtClean="0"/>
-              <a:t>1/2/2019</a:t>
+              <a:t>1/28/2019</a:t>
             </a:fld>
             <a:endParaRPr lang="en-US"/>
           </a:p>
@@ -2303,7 +2303,7 @@
           <a:p>
             <a:fld id="{07F3E820-8E0F-8F47-85B0-AFF03224420A}" type="datetimeFigureOut">
               <a:rPr lang="en-US" smtClean="0"/>
-              <a:t>1/2/2019</a:t>
+              <a:t>1/28/2019</a:t>
             </a:fld>
             <a:endParaRPr lang="en-US"/>
           </a:p>
@@ -2511,7 +2511,7 @@
           <a:p>
             <a:fld id="{07F3E820-8E0F-8F47-85B0-AFF03224420A}" type="datetimeFigureOut">
               <a:rPr lang="en-US" smtClean="0"/>
-              <a:t>1/2/2019</a:t>
+              <a:t>1/28/2019</a:t>
             </a:fld>
             <a:endParaRPr lang="en-US"/>
           </a:p>
@@ -3869,7 +3869,7 @@
         </p:nvSpPr>
         <p:spPr>
           <a:xfrm>
-            <a:off x="2105352" y="7708357"/>
+            <a:off x="2105352" y="8084137"/>
             <a:ext cx="1474494" cy="1477328"/>
           </a:xfrm>
           <a:prstGeom prst="rect">
@@ -3977,7 +3977,7 @@
         </p:nvSpPr>
         <p:spPr>
           <a:xfrm>
-            <a:off x="3579846" y="7708357"/>
+            <a:off x="3579846" y="8084137"/>
             <a:ext cx="1486829" cy="1477328"/>
           </a:xfrm>
           <a:prstGeom prst="rect">
@@ -4104,7 +4104,7 @@
         </p:nvGrpSpPr>
         <p:grpSpPr>
           <a:xfrm>
-            <a:off x="6035397" y="266862"/>
+            <a:off x="5562278" y="8720556"/>
             <a:ext cx="623881" cy="704569"/>
             <a:chOff x="5457265" y="8247180"/>
             <a:chExt cx="1099812" cy="1242056"/>
@@ -4186,7 +4186,7 @@
             <a:p>
               <a:pPr algn="ctr"/>
               <a:r>
-                <a:rPr lang="en-US" sz="700">
+                <a:rPr lang="en-US" sz="700" dirty="0">
                   <a:latin typeface="Arial" charset="0"/>
                   <a:ea typeface="Arial" charset="0"/>
                   <a:cs typeface="Arial" charset="0"/>
@@ -4320,8 +4320,8 @@
         </p:nvSpPr>
         <p:spPr>
           <a:xfrm>
-            <a:off x="0" y="9536668"/>
-            <a:ext cx="6858000" cy="246221"/>
+            <a:off x="2105352" y="9536668"/>
+            <a:ext cx="4576411" cy="246221"/>
           </a:xfrm>
           <a:prstGeom prst="rect">
             <a:avLst/>
@@ -4334,10 +4334,9 @@
           </a:bodyPr>
           <a:lstStyle/>
           <a:p>
-            <a:pPr algn="ctr"/>
             <a:r>
               <a:rPr lang="en-US" sz="1000" dirty="0"/>
-              <a:t>©</a:t>
+              <a:t>© Dr. </a:t>
             </a:r>
             <a:r>
               <a:rPr lang="en-US" sz="1000" dirty="0" err="1"/>
@@ -4345,7 +4344,7 @@
             </a:r>
             <a:r>
               <a:rPr lang="en-US" sz="1000" dirty="0"/>
-              <a:t> Kuharev, 2019, based on PMBOK 6</a:t>
+              <a:t> Kuharev PMP, 2019, based on PMBOK 6</a:t>
             </a:r>
             <a:r>
               <a:rPr lang="en-US" sz="1000" baseline="30000" dirty="0"/>
@@ -4367,7 +4366,7 @@
         <p:spPr>
           <a:xfrm>
             <a:off x="2105352" y="229387"/>
-            <a:ext cx="4576411" cy="6986528"/>
+            <a:ext cx="4576411" cy="7232749"/>
           </a:xfrm>
           <a:prstGeom prst="rect">
             <a:avLst/>
@@ -4416,16 +4415,270 @@
                 <a:ea typeface="Arial" charset="0"/>
                 <a:cs typeface="Arial" charset="0"/>
               </a:rPr>
-              <a:t>Functional, weak/balanced/strong Matrix, </a:t>
-            </a:r>
-            <a:r>
-              <a:rPr lang="en-US" sz="800" dirty="0" err="1">
-                <a:latin typeface="Arial" charset="0"/>
-                <a:ea typeface="Arial" charset="0"/>
-                <a:cs typeface="Arial" charset="0"/>
-              </a:rPr>
-              <a:t>Projectized</a:t>
-            </a:r>
+              <a:t>Functional, weak/balanced/strong Matrix, Projectized</a:t>
+            </a:r>
+          </a:p>
+          <a:p>
+            <a:r>
+              <a:rPr lang="en-US" sz="800" b="1" dirty="0">
+                <a:latin typeface="Arial" charset="0"/>
+                <a:ea typeface="Arial" charset="0"/>
+                <a:cs typeface="Arial" charset="0"/>
+              </a:rPr>
+              <a:t>Deming Cycle: </a:t>
+            </a:r>
+            <a:r>
+              <a:rPr lang="en-US" sz="800" dirty="0">
+                <a:latin typeface="Arial" charset="0"/>
+                <a:ea typeface="Arial" charset="0"/>
+                <a:cs typeface="Arial" charset="0"/>
+              </a:rPr>
+              <a:t>Plan, Do Check, Act.</a:t>
+            </a:r>
+          </a:p>
+          <a:p>
+            <a:r>
+              <a:rPr lang="en-US" sz="800" b="1" dirty="0">
+                <a:latin typeface="Arial" charset="0"/>
+                <a:ea typeface="Arial" charset="0"/>
+                <a:cs typeface="Arial" charset="0"/>
+              </a:rPr>
+              <a:t>SMART</a:t>
+            </a:r>
+            <a:r>
+              <a:rPr lang="en-US" sz="800" dirty="0">
+                <a:latin typeface="Arial" charset="0"/>
+                <a:ea typeface="Arial" charset="0"/>
+                <a:cs typeface="Arial" charset="0"/>
+              </a:rPr>
+              <a:t>: Specific Measurable Achievable Realistic Timetable</a:t>
+            </a:r>
+          </a:p>
+          <a:p>
+            <a:endParaRPr lang="en-US" sz="800" b="1" dirty="0">
+              <a:latin typeface="Arial" charset="0"/>
+              <a:ea typeface="Arial" charset="0"/>
+              <a:cs typeface="Arial" charset="0"/>
+            </a:endParaRPr>
+          </a:p>
+          <a:p>
+            <a:r>
+              <a:rPr lang="en-US" sz="800" b="1" dirty="0">
+                <a:latin typeface="Arial" charset="0"/>
+                <a:ea typeface="Arial" charset="0"/>
+                <a:cs typeface="Arial" charset="0"/>
+              </a:rPr>
+              <a:t>Contract Close: </a:t>
+            </a:r>
+            <a:r>
+              <a:rPr lang="en-US" sz="800" dirty="0">
+                <a:latin typeface="Arial" charset="0"/>
+                <a:ea typeface="Arial" charset="0"/>
+                <a:cs typeface="Arial" charset="0"/>
+              </a:rPr>
+              <a:t>Before project close; </a:t>
+            </a:r>
+            <a:r>
+              <a:rPr lang="en-US" sz="800" b="1" dirty="0">
+                <a:latin typeface="Arial" charset="0"/>
+                <a:ea typeface="Arial" charset="0"/>
+                <a:cs typeface="Arial" charset="0"/>
+              </a:rPr>
+              <a:t>Project or Phase Close: </a:t>
+            </a:r>
+            <a:r>
+              <a:rPr lang="en-US" sz="800" dirty="0">
+                <a:latin typeface="Arial" charset="0"/>
+                <a:ea typeface="Arial" charset="0"/>
+                <a:cs typeface="Arial" charset="0"/>
+              </a:rPr>
+              <a:t>Lessons Learned </a:t>
+            </a:r>
+            <a:endParaRPr lang="en-US" sz="800" b="1" dirty="0">
+              <a:latin typeface="Arial" charset="0"/>
+              <a:ea typeface="Arial" charset="0"/>
+              <a:cs typeface="Arial" charset="0"/>
+            </a:endParaRPr>
+          </a:p>
+          <a:p>
+            <a:r>
+              <a:rPr lang="en-US" sz="800" b="1" dirty="0">
+                <a:latin typeface="Arial" charset="0"/>
+                <a:ea typeface="Arial" charset="0"/>
+                <a:cs typeface="Arial" charset="0"/>
+              </a:rPr>
+              <a:t>Change Request: </a:t>
+            </a:r>
+            <a:r>
+              <a:rPr lang="en-US" sz="800" dirty="0">
+                <a:latin typeface="Arial" charset="0"/>
+                <a:ea typeface="Arial" charset="0"/>
+                <a:cs typeface="Arial" charset="0"/>
+              </a:rPr>
+              <a:t>? impact on Scope, Time, Cost, Quality, HR, Risk, Stakeholder, Contracts</a:t>
+            </a:r>
+          </a:p>
+          <a:p>
+            <a:r>
+              <a:rPr lang="en-US" sz="800" b="1" dirty="0">
+                <a:latin typeface="Arial" charset="0"/>
+                <a:ea typeface="Arial" charset="0"/>
+                <a:cs typeface="Arial" charset="0"/>
+              </a:rPr>
+              <a:t>Change Control Systems:</a:t>
+            </a:r>
+            <a:r>
+              <a:rPr lang="en-US" sz="800" dirty="0">
+                <a:latin typeface="Arial" charset="0"/>
+                <a:ea typeface="Arial" charset="0"/>
+                <a:cs typeface="Arial" charset="0"/>
+              </a:rPr>
+              <a:t> Scope, Cost, Schedule, Procurement</a:t>
+            </a:r>
+          </a:p>
+          <a:p>
+            <a:endParaRPr lang="de-DE" sz="800" dirty="0">
+              <a:latin typeface="Arial" charset="0"/>
+              <a:ea typeface="Arial" charset="0"/>
+              <a:cs typeface="Arial" charset="0"/>
+            </a:endParaRPr>
+          </a:p>
+          <a:p>
+            <a:r>
+              <a:rPr lang="de-DE" sz="800" b="1" dirty="0">
+                <a:latin typeface="Arial" charset="0"/>
+                <a:ea typeface="Arial" charset="0"/>
+                <a:cs typeface="Arial" charset="0"/>
+              </a:rPr>
+              <a:t>Fast Tracking:</a:t>
+            </a:r>
+            <a:r>
+              <a:rPr lang="de-DE" sz="800" dirty="0">
+                <a:latin typeface="Arial" charset="0"/>
+                <a:ea typeface="Arial" charset="0"/>
+                <a:cs typeface="Arial" charset="0"/>
+              </a:rPr>
+              <a:t> </a:t>
+            </a:r>
+            <a:r>
+              <a:rPr lang="de-DE" sz="800" dirty="0" err="1">
+                <a:latin typeface="Arial" charset="0"/>
+                <a:ea typeface="Arial" charset="0"/>
+                <a:cs typeface="Arial" charset="0"/>
+              </a:rPr>
+              <a:t>parallelize</a:t>
+            </a:r>
+            <a:r>
+              <a:rPr lang="de-DE" sz="800" dirty="0">
+                <a:latin typeface="Arial" charset="0"/>
+                <a:ea typeface="Arial" charset="0"/>
+                <a:cs typeface="Arial" charset="0"/>
+              </a:rPr>
+              <a:t> </a:t>
+            </a:r>
+            <a:r>
+              <a:rPr lang="de-DE" sz="800" dirty="0" err="1">
+                <a:latin typeface="Arial" charset="0"/>
+                <a:ea typeface="Arial" charset="0"/>
+                <a:cs typeface="Arial" charset="0"/>
+              </a:rPr>
+              <a:t>activities</a:t>
+            </a:r>
+            <a:r>
+              <a:rPr lang="de-DE" sz="800" dirty="0">
+                <a:latin typeface="Arial" charset="0"/>
+                <a:ea typeface="Arial" charset="0"/>
+                <a:cs typeface="Arial" charset="0"/>
+              </a:rPr>
+              <a:t> on </a:t>
+            </a:r>
+            <a:r>
+              <a:rPr lang="de-DE" sz="800" dirty="0" err="1">
+                <a:latin typeface="Arial" charset="0"/>
+                <a:ea typeface="Arial" charset="0"/>
+                <a:cs typeface="Arial" charset="0"/>
+              </a:rPr>
+              <a:t>critical</a:t>
+            </a:r>
+            <a:r>
+              <a:rPr lang="de-DE" sz="800" dirty="0">
+                <a:latin typeface="Arial" charset="0"/>
+                <a:ea typeface="Arial" charset="0"/>
+                <a:cs typeface="Arial" charset="0"/>
+              </a:rPr>
+              <a:t> </a:t>
+            </a:r>
+            <a:r>
+              <a:rPr lang="de-DE" sz="800" dirty="0" err="1">
+                <a:latin typeface="Arial" charset="0"/>
+                <a:ea typeface="Arial" charset="0"/>
+                <a:cs typeface="Arial" charset="0"/>
+              </a:rPr>
+              <a:t>path</a:t>
+            </a:r>
+            <a:r>
+              <a:rPr lang="de-DE" sz="800" dirty="0">
+                <a:latin typeface="Arial" charset="0"/>
+                <a:ea typeface="Arial" charset="0"/>
+                <a:cs typeface="Arial" charset="0"/>
+              </a:rPr>
+              <a:t>, </a:t>
+            </a:r>
+            <a:r>
+              <a:rPr lang="de-DE" sz="800" b="1" dirty="0" err="1">
+                <a:latin typeface="Arial" charset="0"/>
+                <a:ea typeface="Arial" charset="0"/>
+                <a:cs typeface="Arial" charset="0"/>
+              </a:rPr>
+              <a:t>Crashing</a:t>
+            </a:r>
+            <a:r>
+              <a:rPr lang="de-DE" sz="800" b="1" dirty="0">
+                <a:latin typeface="Arial" charset="0"/>
+                <a:ea typeface="Arial" charset="0"/>
+                <a:cs typeface="Arial" charset="0"/>
+              </a:rPr>
+              <a:t>:</a:t>
+            </a:r>
+            <a:r>
+              <a:rPr lang="de-DE" sz="800" dirty="0">
+                <a:latin typeface="Arial" charset="0"/>
+                <a:ea typeface="Arial" charset="0"/>
+                <a:cs typeface="Arial" charset="0"/>
+              </a:rPr>
+              <a:t> </a:t>
+            </a:r>
+            <a:r>
+              <a:rPr lang="de-DE" sz="800" dirty="0" err="1">
+                <a:latin typeface="Arial" charset="0"/>
+                <a:ea typeface="Arial" charset="0"/>
+                <a:cs typeface="Arial" charset="0"/>
+              </a:rPr>
+              <a:t>add</a:t>
+            </a:r>
+            <a:r>
+              <a:rPr lang="de-DE" sz="800" dirty="0">
+                <a:latin typeface="Arial" charset="0"/>
+                <a:ea typeface="Arial" charset="0"/>
+                <a:cs typeface="Arial" charset="0"/>
+              </a:rPr>
+              <a:t> extra </a:t>
+            </a:r>
+            <a:r>
+              <a:rPr lang="de-DE" sz="800" dirty="0" err="1">
+                <a:latin typeface="Arial" charset="0"/>
+                <a:ea typeface="Arial" charset="0"/>
+                <a:cs typeface="Arial" charset="0"/>
+              </a:rPr>
+              <a:t>resources</a:t>
+            </a:r>
+            <a:endParaRPr lang="de-DE" sz="800" dirty="0">
+              <a:latin typeface="Arial" charset="0"/>
+              <a:ea typeface="Arial" charset="0"/>
+              <a:cs typeface="Arial" charset="0"/>
+            </a:endParaRPr>
+          </a:p>
+          <a:p>
             <a:endParaRPr lang="en-US" sz="800" dirty="0">
               <a:latin typeface="Arial" charset="0"/>
               <a:ea typeface="Arial" charset="0"/>
@@ -4439,33 +4692,86 @@
                 <a:ea typeface="Arial" charset="0"/>
                 <a:cs typeface="Arial" charset="0"/>
               </a:rPr>
-              <a:t>Deming Cycle: </a:t>
-            </a:r>
-            <a:r>
-              <a:rPr lang="en-US" sz="800" dirty="0">
-                <a:latin typeface="Arial" charset="0"/>
-                <a:ea typeface="Arial" charset="0"/>
-                <a:cs typeface="Arial" charset="0"/>
-              </a:rPr>
-              <a:t>Plan, Do Check, Act.</a:t>
-            </a:r>
-          </a:p>
-          <a:p>
-            <a:r>
-              <a:rPr lang="en-US" sz="800" b="1" dirty="0">
-                <a:latin typeface="Arial" charset="0"/>
-                <a:ea typeface="Arial" charset="0"/>
-                <a:cs typeface="Arial" charset="0"/>
-              </a:rPr>
-              <a:t>SMART</a:t>
-            </a:r>
-            <a:r>
-              <a:rPr lang="en-US" sz="800" dirty="0">
-                <a:latin typeface="Arial" charset="0"/>
-                <a:ea typeface="Arial" charset="0"/>
-                <a:cs typeface="Arial" charset="0"/>
-              </a:rPr>
-              <a:t>: Specific Measurable Achievable Realistic Timetable</a:t>
+              <a:t>Cost Estimating Accuracy: ROM: </a:t>
+            </a:r>
+            <a:r>
+              <a:rPr lang="en-US" sz="800" dirty="0">
+                <a:latin typeface="Arial" charset="0"/>
+                <a:ea typeface="Arial" charset="0"/>
+                <a:cs typeface="Arial" charset="0"/>
+              </a:rPr>
+              <a:t>-25%/+75% </a:t>
+            </a:r>
+            <a:r>
+              <a:rPr lang="en-US" sz="800" b="1" dirty="0">
+                <a:latin typeface="Arial" charset="0"/>
+                <a:ea typeface="Arial" charset="0"/>
+                <a:cs typeface="Arial" charset="0"/>
+              </a:rPr>
+              <a:t>Budgetary: </a:t>
+            </a:r>
+            <a:r>
+              <a:rPr lang="en-US" sz="800" dirty="0">
+                <a:latin typeface="Arial" charset="0"/>
+                <a:ea typeface="Arial" charset="0"/>
+                <a:cs typeface="Arial" charset="0"/>
+              </a:rPr>
+              <a:t>-10%/+25%</a:t>
+            </a:r>
+            <a:r>
+              <a:rPr lang="en-US" sz="800" b="1" dirty="0">
+                <a:latin typeface="Arial" charset="0"/>
+                <a:ea typeface="Arial" charset="0"/>
+                <a:cs typeface="Arial" charset="0"/>
+              </a:rPr>
+              <a:t>Definitive: </a:t>
+            </a:r>
+            <a:r>
+              <a:rPr lang="en-US" sz="800" dirty="0">
+                <a:latin typeface="Arial" charset="0"/>
+                <a:ea typeface="Arial" charset="0"/>
+                <a:cs typeface="Arial" charset="0"/>
+              </a:rPr>
+              <a:t>-5%/+10%</a:t>
+            </a:r>
+            <a:br>
+              <a:rPr lang="en-US" sz="800" dirty="0">
+                <a:latin typeface="Arial" charset="0"/>
+                <a:ea typeface="Arial" charset="0"/>
+                <a:cs typeface="Arial" charset="0"/>
+              </a:rPr>
+            </a:br>
+            <a:r>
+              <a:rPr lang="en-US" sz="800" b="1" dirty="0">
+                <a:latin typeface="Arial" charset="0"/>
+                <a:ea typeface="Arial" charset="0"/>
+                <a:cs typeface="Arial" charset="0"/>
+              </a:rPr>
+              <a:t>Cost Budget </a:t>
+            </a:r>
+            <a:r>
+              <a:rPr lang="en-US" sz="800" dirty="0">
+                <a:latin typeface="Arial" charset="0"/>
+                <a:ea typeface="Arial" charset="0"/>
+                <a:cs typeface="Arial" charset="0"/>
+              </a:rPr>
+              <a:t>= Mgt. Reserve + (</a:t>
+            </a:r>
+            <a:r>
+              <a:rPr lang="en-US" sz="800" b="1" dirty="0">
+                <a:latin typeface="Arial" charset="0"/>
+                <a:ea typeface="Arial" charset="0"/>
+                <a:cs typeface="Arial" charset="0"/>
+              </a:rPr>
+              <a:t>Cost Baseline</a:t>
+            </a:r>
+            <a:r>
+              <a:rPr lang="en-US" sz="800" dirty="0">
+                <a:latin typeface="Arial" charset="0"/>
+                <a:ea typeface="Arial" charset="0"/>
+                <a:cs typeface="Arial" charset="0"/>
+              </a:rPr>
+              <a:t> = Project Estimates + Contingency Reserve)</a:t>
             </a:r>
           </a:p>
           <a:p>
@@ -4482,32 +4788,140 @@
                 <a:ea typeface="Arial" charset="0"/>
                 <a:cs typeface="Arial" charset="0"/>
               </a:rPr>
-              <a:t>Contract Close: </a:t>
-            </a:r>
-            <a:r>
-              <a:rPr lang="en-US" sz="800" dirty="0">
-                <a:latin typeface="Arial" charset="0"/>
-                <a:ea typeface="Arial" charset="0"/>
-                <a:cs typeface="Arial" charset="0"/>
-              </a:rPr>
-              <a:t>Before project close; </a:t>
-            </a:r>
-            <a:r>
-              <a:rPr lang="en-US" sz="800" b="1" dirty="0">
-                <a:latin typeface="Arial" charset="0"/>
-                <a:ea typeface="Arial" charset="0"/>
-                <a:cs typeface="Arial" charset="0"/>
-              </a:rPr>
-              <a:t>Project or Phase Close: </a:t>
-            </a:r>
-            <a:r>
-              <a:rPr lang="en-US" sz="800" dirty="0">
-                <a:latin typeface="Arial" charset="0"/>
-                <a:ea typeface="Arial" charset="0"/>
-                <a:cs typeface="Arial" charset="0"/>
-              </a:rPr>
-              <a:t>Lessons Learned </a:t>
-            </a:r>
+              <a:t>Ishikawa </a:t>
+            </a:r>
+            <a:r>
+              <a:rPr lang="en-US" sz="800" dirty="0">
+                <a:latin typeface="Arial" charset="0"/>
+                <a:ea typeface="Arial" charset="0"/>
+                <a:cs typeface="Arial" charset="0"/>
+              </a:rPr>
+              <a:t>= Fishbone Diagram: cause and effect. </a:t>
+            </a:r>
+          </a:p>
+          <a:p>
+            <a:r>
+              <a:rPr lang="en-US" sz="800" b="1" dirty="0">
+                <a:latin typeface="Arial" charset="0"/>
+                <a:ea typeface="Arial" charset="0"/>
+                <a:cs typeface="Arial" charset="0"/>
+              </a:rPr>
+              <a:t>Pareto Diagram: </a:t>
+            </a:r>
+            <a:r>
+              <a:rPr lang="en-US" sz="800" dirty="0">
+                <a:latin typeface="Arial" charset="0"/>
+                <a:ea typeface="Arial" charset="0"/>
+                <a:cs typeface="Arial" charset="0"/>
+              </a:rPr>
+              <a:t>Identify problems and frequency. 80/20 Rule. </a:t>
+            </a:r>
+          </a:p>
+          <a:p>
+            <a:r>
+              <a:rPr lang="en-US" sz="800" b="1" dirty="0">
+                <a:latin typeface="Arial" charset="0"/>
+                <a:ea typeface="Arial" charset="0"/>
+                <a:cs typeface="Arial" charset="0"/>
+              </a:rPr>
+              <a:t>Flow Charts; Control Charts</a:t>
+            </a:r>
+            <a:r>
+              <a:rPr lang="en-US" sz="800" dirty="0">
+                <a:latin typeface="Arial" charset="0"/>
+                <a:ea typeface="Arial" charset="0"/>
+                <a:cs typeface="Arial" charset="0"/>
+              </a:rPr>
+              <a:t>. </a:t>
+            </a:r>
+          </a:p>
+          <a:p>
+            <a:r>
+              <a:rPr lang="en-US" sz="800" b="1" dirty="0">
+                <a:latin typeface="Arial" charset="0"/>
+                <a:ea typeface="Arial" charset="0"/>
+                <a:cs typeface="Arial" charset="0"/>
+              </a:rPr>
+              <a:t>Just in Time: </a:t>
+            </a:r>
+            <a:r>
+              <a:rPr lang="en-US" sz="800" dirty="0">
+                <a:latin typeface="Arial" charset="0"/>
+                <a:ea typeface="Arial" charset="0"/>
+                <a:cs typeface="Arial" charset="0"/>
+              </a:rPr>
+              <a:t>Reduces inventory; requires additional quality control. </a:t>
+            </a:r>
+          </a:p>
+          <a:p>
+            <a:r>
+              <a:rPr lang="en-US" sz="800" b="1" dirty="0">
+                <a:latin typeface="Arial" charset="0"/>
+                <a:ea typeface="Arial" charset="0"/>
+                <a:cs typeface="Arial" charset="0"/>
+              </a:rPr>
+              <a:t>Quality Theories: </a:t>
+            </a:r>
+            <a:r>
+              <a:rPr lang="en-US" sz="800" dirty="0">
+                <a:latin typeface="Arial" charset="0"/>
+                <a:ea typeface="Arial" charset="0"/>
+                <a:cs typeface="Arial" charset="0"/>
+              </a:rPr>
+              <a:t>Kaizen: continuous improvements, Six Sigma, TQM, </a:t>
+            </a:r>
+            <a:r>
+              <a:rPr lang="en-US" sz="800" b="1" dirty="0">
+                <a:latin typeface="Arial" charset="0"/>
+                <a:ea typeface="Arial" charset="0"/>
+                <a:cs typeface="Arial" charset="0"/>
+              </a:rPr>
+              <a:t>Crosby</a:t>
+            </a:r>
+            <a:r>
+              <a:rPr lang="en-US" sz="800" dirty="0">
+                <a:latin typeface="Arial" charset="0"/>
+                <a:ea typeface="Arial" charset="0"/>
+                <a:cs typeface="Arial" charset="0"/>
+              </a:rPr>
+              <a:t>: zero defects</a:t>
+            </a:r>
+          </a:p>
+          <a:p>
+            <a:r>
+              <a:rPr lang="en-US" sz="800" b="1" dirty="0">
+                <a:latin typeface="Arial" charset="0"/>
+                <a:ea typeface="Arial" charset="0"/>
+                <a:cs typeface="Arial" charset="0"/>
+              </a:rPr>
+              <a:t>Variables Sampling</a:t>
+            </a:r>
+            <a:r>
+              <a:rPr lang="en-US" sz="800" dirty="0">
+                <a:latin typeface="Arial" charset="0"/>
+                <a:ea typeface="Arial" charset="0"/>
+                <a:cs typeface="Arial" charset="0"/>
+              </a:rPr>
+              <a:t>: rated degree of conformity, </a:t>
+            </a:r>
+            <a:r>
+              <a:rPr lang="en-US" sz="800" b="1" dirty="0">
+                <a:latin typeface="Arial" charset="0"/>
+                <a:ea typeface="Arial" charset="0"/>
+                <a:cs typeface="Arial" charset="0"/>
+              </a:rPr>
+              <a:t>Attribute Sampling</a:t>
+            </a:r>
+            <a:r>
+              <a:rPr lang="en-US" sz="800" dirty="0">
+                <a:latin typeface="Arial" charset="0"/>
+                <a:ea typeface="Arial" charset="0"/>
+                <a:cs typeface="Arial" charset="0"/>
+              </a:rPr>
+              <a:t>: accepted or not</a:t>
+            </a:r>
+          </a:p>
+          <a:p>
             <a:endParaRPr lang="en-US" sz="800" b="1" dirty="0">
               <a:latin typeface="Arial" charset="0"/>
               <a:ea typeface="Arial" charset="0"/>
@@ -4521,33 +4935,499 @@
                 <a:ea typeface="Arial" charset="0"/>
                 <a:cs typeface="Arial" charset="0"/>
               </a:rPr>
-              <a:t>Change Request: </a:t>
-            </a:r>
-            <a:r>
-              <a:rPr lang="en-US" sz="800" dirty="0">
-                <a:latin typeface="Arial" charset="0"/>
-                <a:ea typeface="Arial" charset="0"/>
-                <a:cs typeface="Arial" charset="0"/>
-              </a:rPr>
-              <a:t>? impact on Scope, Time, Cost, Quality, HR, Risk, Stakeholder, Contracts</a:t>
-            </a:r>
-          </a:p>
-          <a:p>
-            <a:r>
-              <a:rPr lang="en-US" sz="800" b="1" dirty="0">
-                <a:latin typeface="Arial" charset="0"/>
-                <a:ea typeface="Arial" charset="0"/>
-                <a:cs typeface="Arial" charset="0"/>
-              </a:rPr>
-              <a:t>Change Control Systems:</a:t>
-            </a:r>
-            <a:r>
-              <a:rPr lang="en-US" sz="800" dirty="0">
-                <a:latin typeface="Arial" charset="0"/>
-                <a:ea typeface="Arial" charset="0"/>
-                <a:cs typeface="Arial" charset="0"/>
-              </a:rPr>
-              <a:t> Scope, Cost, Schedule, Procurement</a:t>
+              <a:t>Maslow’s Hierarchy of Needs: </a:t>
+            </a:r>
+            <a:r>
+              <a:rPr lang="en-US" sz="800" dirty="0">
+                <a:latin typeface="Arial" charset="0"/>
+                <a:ea typeface="Arial" charset="0"/>
+                <a:cs typeface="Arial" charset="0"/>
+              </a:rPr>
+              <a:t>Physiological, Safety, Social, Self -esteem, Self-actualization. </a:t>
+            </a:r>
+          </a:p>
+          <a:p>
+            <a:r>
+              <a:rPr lang="en-US" sz="800" b="1" dirty="0">
+                <a:latin typeface="Arial" charset="0"/>
+                <a:ea typeface="Arial" charset="0"/>
+                <a:cs typeface="Arial" charset="0"/>
+              </a:rPr>
+              <a:t>McClelland’s Theory of Needs:</a:t>
+            </a:r>
+            <a:r>
+              <a:rPr lang="en-US" sz="800" dirty="0">
+                <a:latin typeface="Arial" charset="0"/>
+                <a:ea typeface="Arial" charset="0"/>
+                <a:cs typeface="Arial" charset="0"/>
+              </a:rPr>
+              <a:t> over time, achievement, affiliation, power, Apperception test</a:t>
+            </a:r>
+          </a:p>
+          <a:p>
+            <a:r>
+              <a:rPr lang="en-US" sz="800" b="1" dirty="0">
+                <a:latin typeface="Arial" charset="0"/>
+                <a:ea typeface="Arial" charset="0"/>
+                <a:cs typeface="Arial" charset="0"/>
+              </a:rPr>
+              <a:t>McGregor’s X &amp; Y: </a:t>
+            </a:r>
+            <a:r>
+              <a:rPr lang="en-US" sz="800" dirty="0">
+                <a:latin typeface="Arial" charset="0"/>
+                <a:ea typeface="Arial" charset="0"/>
+                <a:cs typeface="Arial" charset="0"/>
+              </a:rPr>
+              <a:t>X: bad, lazy-&gt; micromanagement; Y: self-directed</a:t>
+            </a:r>
+            <a:br>
+              <a:rPr lang="en-US" sz="800" dirty="0">
+                <a:latin typeface="Arial" charset="0"/>
+                <a:ea typeface="Arial" charset="0"/>
+                <a:cs typeface="Arial" charset="0"/>
+              </a:rPr>
+            </a:br>
+            <a:r>
+              <a:rPr lang="en-US" sz="800" b="1" dirty="0" err="1">
+                <a:latin typeface="Arial" charset="0"/>
+                <a:ea typeface="Arial" charset="0"/>
+                <a:cs typeface="Arial" charset="0"/>
+              </a:rPr>
+              <a:t>Ouchi’s</a:t>
+            </a:r>
+            <a:r>
+              <a:rPr lang="en-US" sz="800" b="1" dirty="0">
+                <a:latin typeface="Arial" charset="0"/>
+                <a:ea typeface="Arial" charset="0"/>
+                <a:cs typeface="Arial" charset="0"/>
+              </a:rPr>
+              <a:t> Theo. Z:</a:t>
+            </a:r>
+            <a:r>
+              <a:rPr lang="en-US" sz="800" dirty="0">
+                <a:latin typeface="Arial" charset="0"/>
+                <a:ea typeface="Arial" charset="0"/>
+                <a:cs typeface="Arial" charset="0"/>
+              </a:rPr>
+              <a:t> People are X + Y, motivated by commitment, opportunity advancement. </a:t>
+            </a:r>
+          </a:p>
+          <a:p>
+            <a:r>
+              <a:rPr lang="en-US" sz="800" b="1" dirty="0">
+                <a:latin typeface="Arial" charset="0"/>
+                <a:ea typeface="Arial" charset="0"/>
+                <a:cs typeface="Arial" charset="0"/>
+              </a:rPr>
+              <a:t>Herzberg’s Theory of Motivation: </a:t>
+            </a:r>
+            <a:r>
+              <a:rPr lang="en-US" sz="800" dirty="0">
+                <a:latin typeface="Arial" charset="0"/>
+                <a:ea typeface="Arial" charset="0"/>
+                <a:cs typeface="Arial" charset="0"/>
+              </a:rPr>
+              <a:t>Hygiene factors, Motivating Agents. </a:t>
+            </a:r>
+          </a:p>
+          <a:p>
+            <a:r>
+              <a:rPr lang="en-US" sz="800" b="1" dirty="0">
+                <a:latin typeface="Arial" charset="0"/>
+                <a:ea typeface="Arial" charset="0"/>
+                <a:cs typeface="Arial" charset="0"/>
+              </a:rPr>
+              <a:t>Vroom’s Expectancy Theory:</a:t>
+            </a:r>
+            <a:r>
+              <a:rPr lang="en-US" sz="800" dirty="0">
+                <a:latin typeface="Arial" charset="0"/>
+                <a:ea typeface="Arial" charset="0"/>
+                <a:cs typeface="Arial" charset="0"/>
+              </a:rPr>
+              <a:t> People behave based on their belief on what will be the result.</a:t>
+            </a:r>
+          </a:p>
+          <a:p>
+            <a:r>
+              <a:rPr lang="en-US" sz="800" b="1" dirty="0">
+                <a:latin typeface="Arial" charset="0"/>
+                <a:ea typeface="Arial" charset="0"/>
+                <a:cs typeface="Arial" charset="0"/>
+              </a:rPr>
+              <a:t>Halo Effect:</a:t>
+            </a:r>
+            <a:r>
+              <a:rPr lang="en-US" sz="800" dirty="0">
+                <a:latin typeface="Arial" charset="0"/>
+                <a:ea typeface="Arial" charset="0"/>
+                <a:cs typeface="Arial" charset="0"/>
+              </a:rPr>
+              <a:t> all opinions formed by one component, good engineer must be a good manager.</a:t>
+            </a:r>
+          </a:p>
+          <a:p>
+            <a:r>
+              <a:rPr lang="en-US" sz="800" b="1" dirty="0">
+                <a:latin typeface="Arial" charset="0"/>
+                <a:ea typeface="Arial" charset="0"/>
+                <a:cs typeface="Arial" charset="0"/>
+              </a:rPr>
+              <a:t>Leadership: </a:t>
+            </a:r>
+            <a:r>
+              <a:rPr lang="en-US" sz="800" dirty="0">
+                <a:latin typeface="Arial" charset="0"/>
+                <a:ea typeface="Arial" charset="0"/>
+                <a:cs typeface="Arial" charset="0"/>
+              </a:rPr>
+              <a:t>Directing, Facilitating, Coaching, Supporting, Autocratic, Consultative, Consensus.</a:t>
+            </a:r>
+          </a:p>
+          <a:p>
+            <a:r>
+              <a:rPr lang="en-US" sz="800" b="1" dirty="0">
+                <a:latin typeface="Arial" charset="0"/>
+                <a:ea typeface="Arial" charset="0"/>
+                <a:cs typeface="Arial" charset="0"/>
+              </a:rPr>
+              <a:t>Team Roles: </a:t>
+            </a:r>
+            <a:r>
+              <a:rPr lang="en-US" sz="700" dirty="0">
+                <a:latin typeface="Arial" charset="0"/>
+                <a:ea typeface="Arial" charset="0"/>
+                <a:cs typeface="Arial" charset="0"/>
+              </a:rPr>
+              <a:t>Initiator, </a:t>
+            </a:r>
+            <a:r>
+              <a:rPr lang="en-US" sz="700" dirty="0" err="1">
+                <a:latin typeface="Arial" charset="0"/>
+                <a:ea typeface="Arial" charset="0"/>
+                <a:cs typeface="Arial" charset="0"/>
+              </a:rPr>
+              <a:t>Inf.Seeker</a:t>
+            </a:r>
+            <a:r>
+              <a:rPr lang="en-US" sz="700" dirty="0">
+                <a:latin typeface="Arial" charset="0"/>
+                <a:ea typeface="Arial" charset="0"/>
+                <a:cs typeface="Arial" charset="0"/>
+              </a:rPr>
+              <a:t>, </a:t>
+            </a:r>
+            <a:r>
+              <a:rPr lang="en-US" sz="700" dirty="0" err="1">
+                <a:latin typeface="Arial" charset="0"/>
+                <a:ea typeface="Arial" charset="0"/>
+                <a:cs typeface="Arial" charset="0"/>
+              </a:rPr>
+              <a:t>Inf.Giver</a:t>
+            </a:r>
+            <a:r>
+              <a:rPr lang="en-US" sz="700" dirty="0">
+                <a:latin typeface="Arial" charset="0"/>
+                <a:ea typeface="Arial" charset="0"/>
+                <a:cs typeface="Arial" charset="0"/>
+              </a:rPr>
+              <a:t>, Encourager, Clarifier, Gate Keeper, Harmonizer, Summarizer</a:t>
+            </a:r>
+            <a:br>
+              <a:rPr lang="en-US" sz="800" dirty="0">
+                <a:latin typeface="Arial" charset="0"/>
+                <a:ea typeface="Arial" charset="0"/>
+                <a:cs typeface="Arial" charset="0"/>
+              </a:rPr>
+            </a:br>
+            <a:r>
+              <a:rPr lang="en-US" sz="800" b="1" dirty="0">
+                <a:latin typeface="Arial" charset="0"/>
+                <a:ea typeface="Arial" charset="0"/>
+                <a:cs typeface="Arial" charset="0"/>
+              </a:rPr>
+              <a:t>Manager Powers: </a:t>
+            </a:r>
+            <a:r>
+              <a:rPr lang="en-US" sz="800" dirty="0">
+                <a:latin typeface="Arial" charset="0"/>
+                <a:ea typeface="Arial" charset="0"/>
+                <a:cs typeface="Arial" charset="0"/>
+              </a:rPr>
+              <a:t>Formal (legitimate,) Reward, Penalty (coercive), Expert, Referent. </a:t>
+            </a:r>
+          </a:p>
+          <a:p>
+            <a:r>
+              <a:rPr lang="en-US" sz="800" b="1" dirty="0">
+                <a:latin typeface="Arial" charset="0"/>
+                <a:ea typeface="Arial" charset="0"/>
+                <a:cs typeface="Arial" charset="0"/>
+              </a:rPr>
+              <a:t>Conflict Management: win-win: </a:t>
+            </a:r>
+            <a:r>
+              <a:rPr lang="en-US" sz="800" dirty="0">
+                <a:latin typeface="Arial" charset="0"/>
+                <a:ea typeface="Arial" charset="0"/>
+                <a:cs typeface="Arial" charset="0"/>
+              </a:rPr>
+              <a:t>Confront (problem solving.), Collaborate; </a:t>
+            </a:r>
+            <a:r>
+              <a:rPr lang="en-US" sz="800" b="1" dirty="0">
+                <a:latin typeface="Arial" charset="0"/>
+                <a:ea typeface="Arial" charset="0"/>
+                <a:cs typeface="Arial" charset="0"/>
+              </a:rPr>
+              <a:t>win-lose:</a:t>
+            </a:r>
+            <a:r>
+              <a:rPr lang="en-US" sz="800" dirty="0">
+                <a:latin typeface="Arial" charset="0"/>
+                <a:ea typeface="Arial" charset="0"/>
+                <a:cs typeface="Arial" charset="0"/>
+              </a:rPr>
+              <a:t> Force</a:t>
+            </a:r>
+          </a:p>
+          <a:p>
+            <a:r>
+              <a:rPr lang="en-US" sz="800" b="1" dirty="0">
+                <a:latin typeface="Arial" charset="0"/>
+                <a:ea typeface="Arial" charset="0"/>
+                <a:cs typeface="Arial" charset="0"/>
+              </a:rPr>
+              <a:t>yield-lose:</a:t>
+            </a:r>
+            <a:r>
+              <a:rPr lang="en-US" sz="800" dirty="0">
+                <a:latin typeface="Arial" charset="0"/>
+                <a:ea typeface="Arial" charset="0"/>
+                <a:cs typeface="Arial" charset="0"/>
+              </a:rPr>
+              <a:t> Withdraw (avoid); </a:t>
+            </a:r>
+            <a:r>
+              <a:rPr lang="en-US" sz="800" b="1" dirty="0">
+                <a:latin typeface="Arial" charset="0"/>
+                <a:ea typeface="Arial" charset="0"/>
+                <a:cs typeface="Arial" charset="0"/>
+              </a:rPr>
+              <a:t>lose-lose:</a:t>
+            </a:r>
+            <a:r>
+              <a:rPr lang="en-US" sz="800" dirty="0">
+                <a:latin typeface="Arial" charset="0"/>
+                <a:ea typeface="Arial" charset="0"/>
+                <a:cs typeface="Arial" charset="0"/>
+              </a:rPr>
+              <a:t> Smooth (accommodate), Compromise</a:t>
+            </a:r>
+          </a:p>
+          <a:p>
+            <a:endParaRPr lang="en-US" sz="800" b="1" dirty="0">
+              <a:latin typeface="Arial" charset="0"/>
+              <a:ea typeface="Arial" charset="0"/>
+              <a:cs typeface="Arial" charset="0"/>
+            </a:endParaRPr>
+          </a:p>
+          <a:p>
+            <a:r>
+              <a:rPr lang="en-US" sz="800" b="1" dirty="0">
+                <a:latin typeface="Arial" charset="0"/>
+                <a:ea typeface="Arial" charset="0"/>
+                <a:cs typeface="Arial" charset="0"/>
+              </a:rPr>
+              <a:t>Risk Mgt. Strategies: </a:t>
+            </a:r>
+            <a:r>
+              <a:rPr lang="en-US" sz="800" dirty="0">
+                <a:latin typeface="Arial" charset="0"/>
+                <a:ea typeface="Arial" charset="0"/>
+                <a:cs typeface="Arial" charset="0"/>
+              </a:rPr>
+              <a:t>Avoid, Transfer, Mitigate, Accept, Exploit, Share, Enhance, Accept. </a:t>
+            </a:r>
+          </a:p>
+          <a:p>
+            <a:r>
+              <a:rPr lang="en-US" sz="800" b="1" dirty="0">
+                <a:latin typeface="Arial" charset="0"/>
+                <a:ea typeface="Arial" charset="0"/>
+                <a:cs typeface="Arial" charset="0"/>
+              </a:rPr>
+              <a:t>Qualitative Risk Analysis: </a:t>
+            </a:r>
+            <a:r>
+              <a:rPr lang="en-US" sz="800" dirty="0">
+                <a:latin typeface="Arial" charset="0"/>
+                <a:ea typeface="Arial" charset="0"/>
+                <a:cs typeface="Arial" charset="0"/>
+              </a:rPr>
+              <a:t>Chance and impact of occurrence, prioritized list; ranking.</a:t>
+            </a:r>
+            <a:br>
+              <a:rPr lang="en-US" sz="800" dirty="0">
+                <a:latin typeface="Arial" charset="0"/>
+                <a:ea typeface="Arial" charset="0"/>
+                <a:cs typeface="Arial" charset="0"/>
+              </a:rPr>
+            </a:br>
+            <a:r>
+              <a:rPr lang="en-US" sz="800" b="1" dirty="0">
+                <a:latin typeface="Arial" charset="0"/>
+                <a:ea typeface="Arial" charset="0"/>
+                <a:cs typeface="Arial" charset="0"/>
+              </a:rPr>
+              <a:t>Quantitative Risk Analysis: </a:t>
+            </a:r>
+            <a:r>
+              <a:rPr lang="en-US" sz="800" dirty="0">
+                <a:latin typeface="Arial" charset="0"/>
+                <a:ea typeface="Arial" charset="0"/>
+                <a:cs typeface="Arial" charset="0"/>
+              </a:rPr>
+              <a:t>Numerical analysis of probability and impact.</a:t>
+            </a:r>
+          </a:p>
+          <a:p>
+            <a:r>
+              <a:rPr lang="en-US" sz="800" b="1" dirty="0">
+                <a:latin typeface="Arial" charset="0"/>
+                <a:ea typeface="Arial" charset="0"/>
+                <a:cs typeface="Arial" charset="0"/>
+              </a:rPr>
+              <a:t>Tools: </a:t>
+            </a:r>
+            <a:r>
+              <a:rPr lang="en-US" sz="800" dirty="0">
+                <a:latin typeface="Arial" charset="0"/>
+                <a:ea typeface="Arial" charset="0"/>
+                <a:cs typeface="Arial" charset="0"/>
+              </a:rPr>
+              <a:t>Interviews, Sensitivity Analysis, Decision Tree Analysis, Simulation, Monte Carlo.</a:t>
+            </a:r>
+          </a:p>
+          <a:p>
+            <a:r>
+              <a:rPr lang="en-US" sz="800" b="1" dirty="0">
+                <a:latin typeface="Arial" charset="0"/>
+                <a:ea typeface="Arial" charset="0"/>
+                <a:cs typeface="Arial" charset="0"/>
+              </a:rPr>
+              <a:t>Expected Monetary Value = </a:t>
+            </a:r>
+            <a:r>
+              <a:rPr lang="en-US" sz="800" dirty="0">
+                <a:latin typeface="Arial" charset="0"/>
+                <a:ea typeface="Arial" charset="0"/>
+                <a:cs typeface="Arial" charset="0"/>
+              </a:rPr>
+              <a:t>probability * impact; </a:t>
+            </a:r>
+            <a:r>
+              <a:rPr lang="en-US" sz="800" b="1" dirty="0">
+                <a:latin typeface="Arial" charset="0"/>
+                <a:ea typeface="Arial" charset="0"/>
+                <a:cs typeface="Arial" charset="0"/>
+              </a:rPr>
+              <a:t>Contingency Reserve</a:t>
+            </a:r>
+            <a:r>
+              <a:rPr lang="en-US" sz="800" dirty="0">
+                <a:latin typeface="Arial" charset="0"/>
+                <a:ea typeface="Arial" charset="0"/>
+                <a:cs typeface="Arial" charset="0"/>
+              </a:rPr>
+              <a:t> = 𝛴( p * </a:t>
+            </a:r>
+            <a:r>
+              <a:rPr lang="en-US" sz="800" dirty="0" err="1">
+                <a:latin typeface="Arial" charset="0"/>
+                <a:ea typeface="Arial" charset="0"/>
+                <a:cs typeface="Arial" charset="0"/>
+              </a:rPr>
+              <a:t>i</a:t>
+            </a:r>
+            <a:r>
+              <a:rPr lang="en-US" sz="800" dirty="0">
+                <a:latin typeface="Arial" charset="0"/>
+                <a:ea typeface="Arial" charset="0"/>
+                <a:cs typeface="Arial" charset="0"/>
+              </a:rPr>
+              <a:t> )</a:t>
+            </a:r>
+          </a:p>
+          <a:p>
+            <a:r>
+              <a:rPr lang="en-US" sz="800" b="1" dirty="0">
+                <a:latin typeface="Arial" charset="0"/>
+                <a:ea typeface="Arial" charset="0"/>
+                <a:cs typeface="Arial" charset="0"/>
+              </a:rPr>
+              <a:t>Risks: Pure:</a:t>
+            </a:r>
+            <a:r>
+              <a:rPr lang="en-US" sz="800" dirty="0">
+                <a:latin typeface="Arial" charset="0"/>
+                <a:ea typeface="Arial" charset="0"/>
+                <a:cs typeface="Arial" charset="0"/>
+              </a:rPr>
+              <a:t> negative impact only, injury, theft, fire, destruction</a:t>
+            </a:r>
+          </a:p>
+          <a:p>
+            <a:r>
+              <a:rPr lang="en-US" sz="800" b="1" dirty="0">
+                <a:latin typeface="Arial" charset="0"/>
+                <a:ea typeface="Arial" charset="0"/>
+                <a:cs typeface="Arial" charset="0"/>
+              </a:rPr>
+              <a:t>Secondary:</a:t>
+            </a:r>
+            <a:r>
+              <a:rPr lang="en-US" sz="800" dirty="0">
+                <a:latin typeface="Arial" charset="0"/>
+                <a:ea typeface="Arial" charset="0"/>
+                <a:cs typeface="Arial" charset="0"/>
+              </a:rPr>
+              <a:t> risk response creates another risk; </a:t>
+            </a:r>
+            <a:r>
+              <a:rPr lang="en-US" sz="800" b="1" dirty="0">
+                <a:latin typeface="Arial" charset="0"/>
+                <a:ea typeface="Arial" charset="0"/>
+                <a:cs typeface="Arial" charset="0"/>
+              </a:rPr>
+              <a:t>Residual:</a:t>
+            </a:r>
+            <a:r>
+              <a:rPr lang="en-US" sz="800" dirty="0">
+                <a:latin typeface="Arial" charset="0"/>
+                <a:ea typeface="Arial" charset="0"/>
+                <a:cs typeface="Arial" charset="0"/>
+              </a:rPr>
+              <a:t> small generally accepted risk</a:t>
+            </a:r>
+          </a:p>
+          <a:p>
+            <a:r>
+              <a:rPr lang="en-US" sz="800" b="1" dirty="0">
+                <a:latin typeface="Arial" charset="0"/>
+                <a:ea typeface="Arial" charset="0"/>
+                <a:cs typeface="Arial" charset="0"/>
+              </a:rPr>
+              <a:t>Utility Function = Risk Tolerance:</a:t>
+            </a:r>
+            <a:r>
+              <a:rPr lang="en-US" sz="800" dirty="0">
+                <a:latin typeface="Arial" charset="0"/>
+                <a:ea typeface="Arial" charset="0"/>
+                <a:cs typeface="Arial" charset="0"/>
+              </a:rPr>
+              <a:t> willingness to accept risk</a:t>
             </a:r>
           </a:p>
           <a:p>
@@ -4559,747 +5439,190 @@
           </a:p>
           <a:p>
             <a:r>
-              <a:rPr lang="en-US" sz="800" b="1" dirty="0">
-                <a:latin typeface="Arial" charset="0"/>
-                <a:ea typeface="Arial" charset="0"/>
-                <a:cs typeface="Arial" charset="0"/>
-              </a:rPr>
-              <a:t>Cost Estimating Accuracy: ROM: </a:t>
-            </a:r>
-            <a:r>
-              <a:rPr lang="en-US" sz="800" dirty="0">
-                <a:latin typeface="Arial" charset="0"/>
-                <a:ea typeface="Arial" charset="0"/>
-                <a:cs typeface="Arial" charset="0"/>
-              </a:rPr>
-              <a:t>-25%/+75% </a:t>
-            </a:r>
-            <a:r>
-              <a:rPr lang="en-US" sz="800" b="1" dirty="0">
-                <a:latin typeface="Arial" charset="0"/>
-                <a:ea typeface="Arial" charset="0"/>
-                <a:cs typeface="Arial" charset="0"/>
-              </a:rPr>
-              <a:t>Budgetary: </a:t>
-            </a:r>
-            <a:r>
-              <a:rPr lang="en-US" sz="800" dirty="0">
-                <a:latin typeface="Arial" charset="0"/>
-                <a:ea typeface="Arial" charset="0"/>
-                <a:cs typeface="Arial" charset="0"/>
-              </a:rPr>
-              <a:t>-10%/+25%</a:t>
-            </a:r>
-            <a:r>
-              <a:rPr lang="en-US" sz="800" b="1" dirty="0">
-                <a:latin typeface="Arial" charset="0"/>
-                <a:ea typeface="Arial" charset="0"/>
-                <a:cs typeface="Arial" charset="0"/>
-              </a:rPr>
-              <a:t>Definitive: </a:t>
-            </a:r>
-            <a:r>
-              <a:rPr lang="en-US" sz="800" dirty="0">
-                <a:latin typeface="Arial" charset="0"/>
-                <a:ea typeface="Arial" charset="0"/>
-                <a:cs typeface="Arial" charset="0"/>
-              </a:rPr>
-              <a:t>-5%/+10%</a:t>
-            </a:r>
-            <a:br>
-              <a:rPr lang="en-US" sz="800" dirty="0">
-                <a:latin typeface="Arial" charset="0"/>
-                <a:ea typeface="Arial" charset="0"/>
-                <a:cs typeface="Arial" charset="0"/>
-              </a:rPr>
-            </a:br>
-            <a:r>
-              <a:rPr lang="en-US" sz="800" b="1" dirty="0">
-                <a:latin typeface="Arial" charset="0"/>
-                <a:ea typeface="Arial" charset="0"/>
-                <a:cs typeface="Arial" charset="0"/>
-              </a:rPr>
-              <a:t>Cost Budget </a:t>
-            </a:r>
-            <a:r>
-              <a:rPr lang="en-US" sz="800" dirty="0">
-                <a:latin typeface="Arial" charset="0"/>
-                <a:ea typeface="Arial" charset="0"/>
-                <a:cs typeface="Arial" charset="0"/>
-              </a:rPr>
-              <a:t>= Mgt. Reserve + (</a:t>
-            </a:r>
-            <a:r>
-              <a:rPr lang="en-US" sz="800" b="1" dirty="0">
-                <a:latin typeface="Arial" charset="0"/>
-                <a:ea typeface="Arial" charset="0"/>
-                <a:cs typeface="Arial" charset="0"/>
-              </a:rPr>
-              <a:t>Cost Baseline</a:t>
-            </a:r>
-            <a:r>
-              <a:rPr lang="en-US" sz="800" dirty="0">
-                <a:latin typeface="Arial" charset="0"/>
-                <a:ea typeface="Arial" charset="0"/>
-                <a:cs typeface="Arial" charset="0"/>
-              </a:rPr>
-              <a:t> = Project Estimates + Contingency Reserve)</a:t>
-            </a:r>
-          </a:p>
-          <a:p>
-            <a:endParaRPr lang="en-US" sz="800" b="1" dirty="0">
-              <a:latin typeface="Arial" charset="0"/>
-              <a:ea typeface="Arial" charset="0"/>
-              <a:cs typeface="Arial" charset="0"/>
-            </a:endParaRPr>
-          </a:p>
-          <a:p>
-            <a:r>
-              <a:rPr lang="en-US" sz="800" b="1" dirty="0">
-                <a:latin typeface="Arial" charset="0"/>
-                <a:ea typeface="Arial" charset="0"/>
-                <a:cs typeface="Arial" charset="0"/>
-              </a:rPr>
-              <a:t>Ishikawa </a:t>
-            </a:r>
-            <a:r>
-              <a:rPr lang="en-US" sz="800" dirty="0">
-                <a:latin typeface="Arial" charset="0"/>
-                <a:ea typeface="Arial" charset="0"/>
-                <a:cs typeface="Arial" charset="0"/>
-              </a:rPr>
-              <a:t>= Fishbone Diagram: cause and effect. </a:t>
-            </a:r>
-          </a:p>
-          <a:p>
-            <a:r>
-              <a:rPr lang="en-US" sz="800" b="1" dirty="0">
-                <a:latin typeface="Arial" charset="0"/>
-                <a:ea typeface="Arial" charset="0"/>
-                <a:cs typeface="Arial" charset="0"/>
-              </a:rPr>
-              <a:t>Pareto Diagram: </a:t>
-            </a:r>
-            <a:r>
-              <a:rPr lang="en-US" sz="800" dirty="0">
-                <a:latin typeface="Arial" charset="0"/>
-                <a:ea typeface="Arial" charset="0"/>
-                <a:cs typeface="Arial" charset="0"/>
-              </a:rPr>
-              <a:t>Identify problems and frequency. 80/20 Rule. </a:t>
-            </a:r>
-          </a:p>
-          <a:p>
-            <a:r>
-              <a:rPr lang="en-US" sz="800" b="1" dirty="0">
-                <a:latin typeface="Arial" charset="0"/>
-                <a:ea typeface="Arial" charset="0"/>
-                <a:cs typeface="Arial" charset="0"/>
-              </a:rPr>
-              <a:t>Flow Charts; Control Charts</a:t>
-            </a:r>
-            <a:r>
-              <a:rPr lang="en-US" sz="800" dirty="0">
-                <a:latin typeface="Arial" charset="0"/>
-                <a:ea typeface="Arial" charset="0"/>
-                <a:cs typeface="Arial" charset="0"/>
-              </a:rPr>
-              <a:t>. </a:t>
-            </a:r>
-          </a:p>
-          <a:p>
-            <a:r>
-              <a:rPr lang="en-US" sz="800" b="1" dirty="0">
-                <a:latin typeface="Arial" charset="0"/>
-                <a:ea typeface="Arial" charset="0"/>
-                <a:cs typeface="Arial" charset="0"/>
-              </a:rPr>
-              <a:t>Just in Time: </a:t>
-            </a:r>
-            <a:r>
-              <a:rPr lang="en-US" sz="800" dirty="0">
-                <a:latin typeface="Arial" charset="0"/>
-                <a:ea typeface="Arial" charset="0"/>
-                <a:cs typeface="Arial" charset="0"/>
-              </a:rPr>
-              <a:t>Reduces inventory; requires additional quality control. </a:t>
-            </a:r>
-          </a:p>
-          <a:p>
-            <a:r>
-              <a:rPr lang="en-US" sz="800" b="1" dirty="0">
-                <a:latin typeface="Arial" charset="0"/>
-                <a:ea typeface="Arial" charset="0"/>
-                <a:cs typeface="Arial" charset="0"/>
-              </a:rPr>
-              <a:t>Quality Theories: </a:t>
-            </a:r>
-            <a:r>
-              <a:rPr lang="en-US" sz="800" dirty="0">
-                <a:latin typeface="Arial" charset="0"/>
-                <a:ea typeface="Arial" charset="0"/>
-                <a:cs typeface="Arial" charset="0"/>
-              </a:rPr>
-              <a:t>Kaizen: continuous improvements, Six Sigma, TQM, </a:t>
-            </a:r>
-            <a:r>
-              <a:rPr lang="en-US" sz="800" b="1" dirty="0">
-                <a:latin typeface="Arial" charset="0"/>
-                <a:ea typeface="Arial" charset="0"/>
-                <a:cs typeface="Arial" charset="0"/>
-              </a:rPr>
-              <a:t>Crosby</a:t>
-            </a:r>
-            <a:r>
-              <a:rPr lang="en-US" sz="800" dirty="0">
-                <a:latin typeface="Arial" charset="0"/>
-                <a:ea typeface="Arial" charset="0"/>
-                <a:cs typeface="Arial" charset="0"/>
-              </a:rPr>
-              <a:t>: zero defects</a:t>
-            </a:r>
-          </a:p>
-          <a:p>
-            <a:r>
-              <a:rPr lang="en-US" sz="800" b="1" dirty="0">
-                <a:latin typeface="Arial" charset="0"/>
-                <a:ea typeface="Arial" charset="0"/>
-                <a:cs typeface="Arial" charset="0"/>
-              </a:rPr>
-              <a:t>Variables Sampling</a:t>
-            </a:r>
-            <a:r>
-              <a:rPr lang="en-US" sz="800" dirty="0">
-                <a:latin typeface="Arial" charset="0"/>
-                <a:ea typeface="Arial" charset="0"/>
-                <a:cs typeface="Arial" charset="0"/>
-              </a:rPr>
-              <a:t>: rated degree of conformity, </a:t>
-            </a:r>
-            <a:r>
-              <a:rPr lang="en-US" sz="800" b="1" dirty="0">
-                <a:latin typeface="Arial" charset="0"/>
-                <a:ea typeface="Arial" charset="0"/>
-                <a:cs typeface="Arial" charset="0"/>
-              </a:rPr>
-              <a:t>Attribute Sampling</a:t>
-            </a:r>
-            <a:r>
-              <a:rPr lang="en-US" sz="800" dirty="0">
-                <a:latin typeface="Arial" charset="0"/>
-                <a:ea typeface="Arial" charset="0"/>
-                <a:cs typeface="Arial" charset="0"/>
-              </a:rPr>
-              <a:t>: accepted or not</a:t>
-            </a:r>
-          </a:p>
-          <a:p>
-            <a:endParaRPr lang="en-US" sz="800" b="1" dirty="0">
-              <a:latin typeface="Arial" charset="0"/>
-              <a:ea typeface="Arial" charset="0"/>
-              <a:cs typeface="Arial" charset="0"/>
-            </a:endParaRPr>
-          </a:p>
-          <a:p>
-            <a:r>
-              <a:rPr lang="en-US" sz="800" b="1" dirty="0">
-                <a:latin typeface="Arial" charset="0"/>
-                <a:ea typeface="Arial" charset="0"/>
-                <a:cs typeface="Arial" charset="0"/>
-              </a:rPr>
-              <a:t>Maslow’s Hierarchy of Needs: </a:t>
-            </a:r>
-            <a:r>
-              <a:rPr lang="en-US" sz="800" dirty="0">
-                <a:latin typeface="Arial" charset="0"/>
-                <a:ea typeface="Arial" charset="0"/>
-                <a:cs typeface="Arial" charset="0"/>
-              </a:rPr>
-              <a:t>Physiological, Safety, Social, Self -esteem, Self-actualization. </a:t>
-            </a:r>
-          </a:p>
-          <a:p>
-            <a:r>
-              <a:rPr lang="en-US" sz="800" b="1" dirty="0">
-                <a:latin typeface="Arial" charset="0"/>
-                <a:ea typeface="Arial" charset="0"/>
-                <a:cs typeface="Arial" charset="0"/>
-              </a:rPr>
-              <a:t>McClelland’s Theory of Needs:</a:t>
-            </a:r>
-            <a:r>
-              <a:rPr lang="en-US" sz="800" dirty="0">
-                <a:latin typeface="Arial" charset="0"/>
-                <a:ea typeface="Arial" charset="0"/>
-                <a:cs typeface="Arial" charset="0"/>
-              </a:rPr>
-              <a:t> over time, achievement, affiliation, power, Apperception test</a:t>
-            </a:r>
-          </a:p>
-          <a:p>
-            <a:r>
-              <a:rPr lang="en-US" sz="800" b="1" dirty="0">
-                <a:latin typeface="Arial" charset="0"/>
-                <a:ea typeface="Arial" charset="0"/>
-                <a:cs typeface="Arial" charset="0"/>
-              </a:rPr>
-              <a:t>McGregor’s X &amp; Y: </a:t>
-            </a:r>
-            <a:r>
-              <a:rPr lang="en-US" sz="800" dirty="0">
-                <a:latin typeface="Arial" charset="0"/>
-                <a:ea typeface="Arial" charset="0"/>
-                <a:cs typeface="Arial" charset="0"/>
-              </a:rPr>
-              <a:t>X: bad, lazy-&gt; micromanagement; Y: self-directed</a:t>
-            </a:r>
-            <a:br>
-              <a:rPr lang="en-US" sz="800" dirty="0">
-                <a:latin typeface="Arial" charset="0"/>
-                <a:ea typeface="Arial" charset="0"/>
-                <a:cs typeface="Arial" charset="0"/>
-              </a:rPr>
-            </a:br>
+              <a:rPr lang="en-US" sz="800" dirty="0">
+                <a:latin typeface="Arial" charset="0"/>
+                <a:ea typeface="Arial" charset="0"/>
+                <a:cs typeface="Arial" charset="0"/>
+              </a:rPr>
+              <a:t>Sender, Encoder, Medium, Noise, Decoder, Receiver; Message sent; Info transferred.</a:t>
+            </a:r>
+          </a:p>
+          <a:p>
+            <a:r>
+              <a:rPr lang="en-US" sz="800" dirty="0">
+                <a:latin typeface="Arial" charset="0"/>
+                <a:ea typeface="Arial" charset="0"/>
+                <a:cs typeface="Arial" charset="0"/>
+              </a:rPr>
+              <a:t>55% nonverbal; </a:t>
+            </a:r>
             <a:r>
               <a:rPr lang="en-US" sz="800" b="1" dirty="0" err="1">
                 <a:latin typeface="Arial" charset="0"/>
                 <a:ea typeface="Arial" charset="0"/>
                 <a:cs typeface="Arial" charset="0"/>
               </a:rPr>
-              <a:t>Ouchi’s</a:t>
-            </a:r>
-            <a:r>
-              <a:rPr lang="en-US" sz="800" b="1" dirty="0">
-                <a:latin typeface="Arial" charset="0"/>
-                <a:ea typeface="Arial" charset="0"/>
-                <a:cs typeface="Arial" charset="0"/>
-              </a:rPr>
-              <a:t> Theo. Z:</a:t>
-            </a:r>
-            <a:r>
-              <a:rPr lang="en-US" sz="800" dirty="0">
-                <a:latin typeface="Arial" charset="0"/>
-                <a:ea typeface="Arial" charset="0"/>
-                <a:cs typeface="Arial" charset="0"/>
-              </a:rPr>
-              <a:t> People are X + Y, motivated by commitment, opportunity advancement. </a:t>
-            </a:r>
-          </a:p>
-          <a:p>
-            <a:r>
-              <a:rPr lang="en-US" sz="800" b="1" dirty="0">
-                <a:latin typeface="Arial" charset="0"/>
-                <a:ea typeface="Arial" charset="0"/>
-                <a:cs typeface="Arial" charset="0"/>
-              </a:rPr>
-              <a:t>Herzberg’s Theory of Motivation: </a:t>
-            </a:r>
-            <a:r>
-              <a:rPr lang="en-US" sz="800" dirty="0">
-                <a:latin typeface="Arial" charset="0"/>
-                <a:ea typeface="Arial" charset="0"/>
-                <a:cs typeface="Arial" charset="0"/>
-              </a:rPr>
-              <a:t>Hygiene factors, Motivating Agents. </a:t>
-            </a:r>
-          </a:p>
-          <a:p>
-            <a:r>
-              <a:rPr lang="en-US" sz="800" b="1" dirty="0">
-                <a:latin typeface="Arial" charset="0"/>
-                <a:ea typeface="Arial" charset="0"/>
-                <a:cs typeface="Arial" charset="0"/>
-              </a:rPr>
-              <a:t>Vroom’s Expectancy Theory:</a:t>
-            </a:r>
-            <a:r>
-              <a:rPr lang="en-US" sz="800" dirty="0">
-                <a:latin typeface="Arial" charset="0"/>
-                <a:ea typeface="Arial" charset="0"/>
-                <a:cs typeface="Arial" charset="0"/>
-              </a:rPr>
-              <a:t> People behave based on their belief on what will be the result.</a:t>
-            </a:r>
-          </a:p>
-          <a:p>
-            <a:r>
-              <a:rPr lang="en-US" sz="800" b="1" dirty="0">
-                <a:latin typeface="Arial" charset="0"/>
-                <a:ea typeface="Arial" charset="0"/>
-                <a:cs typeface="Arial" charset="0"/>
-              </a:rPr>
-              <a:t>Halo Effect:</a:t>
-            </a:r>
-            <a:r>
-              <a:rPr lang="en-US" sz="800" dirty="0">
-                <a:latin typeface="Arial" charset="0"/>
-                <a:ea typeface="Arial" charset="0"/>
-                <a:cs typeface="Arial" charset="0"/>
-              </a:rPr>
-              <a:t> all opinions formed by one component, good engineer must be a good manager.</a:t>
-            </a:r>
-          </a:p>
-          <a:p>
-            <a:r>
-              <a:rPr lang="en-US" sz="800" b="1" dirty="0">
-                <a:latin typeface="Arial" charset="0"/>
-                <a:ea typeface="Arial" charset="0"/>
-                <a:cs typeface="Arial" charset="0"/>
-              </a:rPr>
-              <a:t>Leadership: </a:t>
-            </a:r>
-            <a:r>
-              <a:rPr lang="en-US" sz="800" dirty="0">
-                <a:latin typeface="Arial" charset="0"/>
-                <a:ea typeface="Arial" charset="0"/>
-                <a:cs typeface="Arial" charset="0"/>
-              </a:rPr>
-              <a:t>Directing, Facilitating, Coaching, Supporting, Autocratic, Consultative, Consensus.</a:t>
-            </a:r>
-          </a:p>
-          <a:p>
-            <a:r>
-              <a:rPr lang="en-US" sz="800" b="1" dirty="0">
-                <a:latin typeface="Arial" charset="0"/>
-                <a:ea typeface="Arial" charset="0"/>
-                <a:cs typeface="Arial" charset="0"/>
-              </a:rPr>
-              <a:t>Team Roles: </a:t>
-            </a:r>
-            <a:r>
-              <a:rPr lang="en-US" sz="700" dirty="0">
-                <a:latin typeface="Arial" charset="0"/>
-                <a:ea typeface="Arial" charset="0"/>
-                <a:cs typeface="Arial" charset="0"/>
-              </a:rPr>
-              <a:t>Initiator, </a:t>
-            </a:r>
-            <a:r>
-              <a:rPr lang="en-US" sz="700" dirty="0" err="1">
-                <a:latin typeface="Arial" charset="0"/>
-                <a:ea typeface="Arial" charset="0"/>
-                <a:cs typeface="Arial" charset="0"/>
-              </a:rPr>
-              <a:t>Inf.Seeker</a:t>
-            </a:r>
-            <a:r>
-              <a:rPr lang="en-US" sz="700" dirty="0">
-                <a:latin typeface="Arial" charset="0"/>
-                <a:ea typeface="Arial" charset="0"/>
-                <a:cs typeface="Arial" charset="0"/>
-              </a:rPr>
-              <a:t>, </a:t>
-            </a:r>
-            <a:r>
-              <a:rPr lang="en-US" sz="700" dirty="0" err="1">
-                <a:latin typeface="Arial" charset="0"/>
-                <a:ea typeface="Arial" charset="0"/>
-                <a:cs typeface="Arial" charset="0"/>
-              </a:rPr>
-              <a:t>Inf.Giver</a:t>
-            </a:r>
-            <a:r>
-              <a:rPr lang="en-US" sz="700" dirty="0">
-                <a:latin typeface="Arial" charset="0"/>
-                <a:ea typeface="Arial" charset="0"/>
-                <a:cs typeface="Arial" charset="0"/>
-              </a:rPr>
-              <a:t>, Encourager, Clarifier, Gate Keeper, Harmonizer, Summarizer</a:t>
-            </a:r>
-            <a:br>
-              <a:rPr lang="en-US" sz="800" dirty="0">
-                <a:latin typeface="Arial" charset="0"/>
-                <a:ea typeface="Arial" charset="0"/>
-                <a:cs typeface="Arial" charset="0"/>
-              </a:rPr>
-            </a:br>
-            <a:r>
-              <a:rPr lang="en-US" sz="800" b="1" dirty="0">
-                <a:latin typeface="Arial" charset="0"/>
-                <a:ea typeface="Arial" charset="0"/>
-                <a:cs typeface="Arial" charset="0"/>
-              </a:rPr>
-              <a:t>Manager Powers: </a:t>
-            </a:r>
-            <a:r>
-              <a:rPr lang="en-US" sz="800" dirty="0">
-                <a:latin typeface="Arial" charset="0"/>
-                <a:ea typeface="Arial" charset="0"/>
-                <a:cs typeface="Arial" charset="0"/>
-              </a:rPr>
-              <a:t>Formal (legitimate,) Reward, Penalty (coercive), Expert, Referent. </a:t>
-            </a:r>
-          </a:p>
-          <a:p>
-            <a:r>
-              <a:rPr lang="en-US" sz="800" b="1" dirty="0">
-                <a:latin typeface="Arial" charset="0"/>
-                <a:ea typeface="Arial" charset="0"/>
-                <a:cs typeface="Arial" charset="0"/>
-              </a:rPr>
-              <a:t>Conflict Management: win-win: </a:t>
-            </a:r>
-            <a:r>
-              <a:rPr lang="en-US" sz="800" dirty="0">
-                <a:latin typeface="Arial" charset="0"/>
-                <a:ea typeface="Arial" charset="0"/>
-                <a:cs typeface="Arial" charset="0"/>
-              </a:rPr>
-              <a:t>Confront (problem solving.), Collaborate; </a:t>
-            </a:r>
-            <a:r>
-              <a:rPr lang="en-US" sz="800" b="1" dirty="0">
-                <a:latin typeface="Arial" charset="0"/>
-                <a:ea typeface="Arial" charset="0"/>
-                <a:cs typeface="Arial" charset="0"/>
-              </a:rPr>
-              <a:t>win-lose:</a:t>
-            </a:r>
-            <a:r>
-              <a:rPr lang="en-US" sz="800" dirty="0">
-                <a:latin typeface="Arial" charset="0"/>
-                <a:ea typeface="Arial" charset="0"/>
-                <a:cs typeface="Arial" charset="0"/>
-              </a:rPr>
-              <a:t> Force</a:t>
-            </a:r>
-          </a:p>
-          <a:p>
-            <a:r>
-              <a:rPr lang="en-US" sz="800" b="1" dirty="0">
-                <a:latin typeface="Arial" charset="0"/>
-                <a:ea typeface="Arial" charset="0"/>
-                <a:cs typeface="Arial" charset="0"/>
-              </a:rPr>
-              <a:t>yield-lose:</a:t>
-            </a:r>
-            <a:r>
-              <a:rPr lang="en-US" sz="800" dirty="0">
-                <a:latin typeface="Arial" charset="0"/>
-                <a:ea typeface="Arial" charset="0"/>
-                <a:cs typeface="Arial" charset="0"/>
-              </a:rPr>
-              <a:t> Withdraw (avoid); </a:t>
-            </a:r>
-            <a:r>
-              <a:rPr lang="en-US" sz="800" b="1" dirty="0">
-                <a:latin typeface="Arial" charset="0"/>
-                <a:ea typeface="Arial" charset="0"/>
-                <a:cs typeface="Arial" charset="0"/>
-              </a:rPr>
-              <a:t>lose-lose:</a:t>
-            </a:r>
-            <a:r>
-              <a:rPr lang="en-US" sz="800" dirty="0">
-                <a:latin typeface="Arial" charset="0"/>
-                <a:ea typeface="Arial" charset="0"/>
-                <a:cs typeface="Arial" charset="0"/>
-              </a:rPr>
-              <a:t> Smooth (accommodate), Compromise</a:t>
-            </a:r>
-          </a:p>
-          <a:p>
-            <a:endParaRPr lang="en-US" sz="800" b="1" dirty="0">
-              <a:latin typeface="Arial" charset="0"/>
-              <a:ea typeface="Arial" charset="0"/>
-              <a:cs typeface="Arial" charset="0"/>
-            </a:endParaRPr>
-          </a:p>
-          <a:p>
-            <a:r>
-              <a:rPr lang="en-US" sz="800" b="1" dirty="0">
-                <a:latin typeface="Arial" charset="0"/>
-                <a:ea typeface="Arial" charset="0"/>
-                <a:cs typeface="Arial" charset="0"/>
-              </a:rPr>
-              <a:t>Risk Mgt. Strategies: </a:t>
-            </a:r>
-            <a:r>
-              <a:rPr lang="en-US" sz="800" dirty="0">
-                <a:latin typeface="Arial" charset="0"/>
-                <a:ea typeface="Arial" charset="0"/>
-                <a:cs typeface="Arial" charset="0"/>
-              </a:rPr>
-              <a:t>Avoid, Transfer, Mitigate, Accept, Exploit, Share, Enhance, Accept. </a:t>
-            </a:r>
-          </a:p>
-          <a:p>
-            <a:r>
-              <a:rPr lang="en-US" sz="800" b="1" dirty="0">
-                <a:latin typeface="Arial" charset="0"/>
-                <a:ea typeface="Arial" charset="0"/>
-                <a:cs typeface="Arial" charset="0"/>
-              </a:rPr>
-              <a:t>Qualitative Risk Analysis: </a:t>
-            </a:r>
-            <a:r>
-              <a:rPr lang="en-US" sz="800" dirty="0">
-                <a:latin typeface="Arial" charset="0"/>
-                <a:ea typeface="Arial" charset="0"/>
-                <a:cs typeface="Arial" charset="0"/>
-              </a:rPr>
-              <a:t>Chance and impact of occurrence, prioritized list; ranking.</a:t>
-            </a:r>
-            <a:br>
-              <a:rPr lang="en-US" sz="800" dirty="0">
-                <a:latin typeface="Arial" charset="0"/>
-                <a:ea typeface="Arial" charset="0"/>
-                <a:cs typeface="Arial" charset="0"/>
-              </a:rPr>
-            </a:br>
-            <a:r>
-              <a:rPr lang="en-US" sz="800" b="1" dirty="0">
-                <a:latin typeface="Arial" charset="0"/>
-                <a:ea typeface="Arial" charset="0"/>
-                <a:cs typeface="Arial" charset="0"/>
-              </a:rPr>
-              <a:t>Quantitative Risk Analysis: </a:t>
-            </a:r>
-            <a:r>
-              <a:rPr lang="en-US" sz="800" dirty="0">
-                <a:latin typeface="Arial" charset="0"/>
-                <a:ea typeface="Arial" charset="0"/>
-                <a:cs typeface="Arial" charset="0"/>
-              </a:rPr>
-              <a:t>Numerical analysis of probability and impact.</a:t>
-            </a:r>
-          </a:p>
-          <a:p>
-            <a:r>
-              <a:rPr lang="en-US" sz="800" b="1" dirty="0">
-                <a:latin typeface="Arial" charset="0"/>
-                <a:ea typeface="Arial" charset="0"/>
-                <a:cs typeface="Arial" charset="0"/>
-              </a:rPr>
-              <a:t>Tools: </a:t>
-            </a:r>
-            <a:r>
-              <a:rPr lang="en-US" sz="800" dirty="0">
-                <a:latin typeface="Arial" charset="0"/>
-                <a:ea typeface="Arial" charset="0"/>
-                <a:cs typeface="Arial" charset="0"/>
-              </a:rPr>
-              <a:t>Interviews, Sensitivity Analysis, Decision Tree Analysis, Simulation, Monte Carlo.</a:t>
-            </a:r>
-          </a:p>
-          <a:p>
-            <a:r>
-              <a:rPr lang="en-US" sz="800" b="1" dirty="0">
-                <a:latin typeface="Arial" charset="0"/>
-                <a:ea typeface="Arial" charset="0"/>
-                <a:cs typeface="Arial" charset="0"/>
-              </a:rPr>
-              <a:t>Expected Monetary Value = </a:t>
-            </a:r>
-            <a:r>
-              <a:rPr lang="en-US" sz="800" dirty="0">
-                <a:latin typeface="Arial" charset="0"/>
-                <a:ea typeface="Arial" charset="0"/>
-                <a:cs typeface="Arial" charset="0"/>
-              </a:rPr>
-              <a:t>probability * impact; </a:t>
-            </a:r>
-            <a:r>
-              <a:rPr lang="en-US" sz="800" b="1" dirty="0">
-                <a:latin typeface="Arial" charset="0"/>
-                <a:ea typeface="Arial" charset="0"/>
-                <a:cs typeface="Arial" charset="0"/>
-              </a:rPr>
-              <a:t>Contingency Reserve</a:t>
-            </a:r>
-            <a:r>
-              <a:rPr lang="en-US" sz="800" dirty="0">
-                <a:latin typeface="Arial" charset="0"/>
-                <a:ea typeface="Arial" charset="0"/>
-                <a:cs typeface="Arial" charset="0"/>
-              </a:rPr>
-              <a:t> = 𝛴( p * </a:t>
-            </a:r>
-            <a:r>
-              <a:rPr lang="en-US" sz="800" dirty="0" err="1">
-                <a:latin typeface="Arial" charset="0"/>
-                <a:ea typeface="Arial" charset="0"/>
-                <a:cs typeface="Arial" charset="0"/>
-              </a:rPr>
-              <a:t>i</a:t>
-            </a:r>
-            <a:r>
-              <a:rPr lang="en-US" sz="800" dirty="0">
-                <a:latin typeface="Arial" charset="0"/>
-                <a:ea typeface="Arial" charset="0"/>
-                <a:cs typeface="Arial" charset="0"/>
-              </a:rPr>
-              <a:t> )</a:t>
-            </a:r>
-          </a:p>
-          <a:p>
-            <a:r>
-              <a:rPr lang="en-US" sz="800" b="1" dirty="0">
-                <a:latin typeface="Arial" charset="0"/>
-                <a:ea typeface="Arial" charset="0"/>
-                <a:cs typeface="Arial" charset="0"/>
-              </a:rPr>
-              <a:t>Risks: Pure:</a:t>
-            </a:r>
-            <a:r>
-              <a:rPr lang="en-US" sz="800" dirty="0">
-                <a:latin typeface="Arial" charset="0"/>
-                <a:ea typeface="Arial" charset="0"/>
-                <a:cs typeface="Arial" charset="0"/>
-              </a:rPr>
-              <a:t> negative impact only, injury, theft, fire, destruction</a:t>
-            </a:r>
-          </a:p>
-          <a:p>
-            <a:r>
-              <a:rPr lang="en-US" sz="800" b="1" dirty="0">
-                <a:latin typeface="Arial" charset="0"/>
-                <a:ea typeface="Arial" charset="0"/>
-                <a:cs typeface="Arial" charset="0"/>
-              </a:rPr>
-              <a:t>Secondary:</a:t>
-            </a:r>
-            <a:r>
-              <a:rPr lang="en-US" sz="800" dirty="0">
-                <a:latin typeface="Arial" charset="0"/>
-                <a:ea typeface="Arial" charset="0"/>
-                <a:cs typeface="Arial" charset="0"/>
-              </a:rPr>
-              <a:t> risk response creates another risk; </a:t>
-            </a:r>
-            <a:r>
-              <a:rPr lang="en-US" sz="800" b="1" dirty="0">
-                <a:latin typeface="Arial" charset="0"/>
-                <a:ea typeface="Arial" charset="0"/>
-                <a:cs typeface="Arial" charset="0"/>
-              </a:rPr>
-              <a:t>Residual:</a:t>
-            </a:r>
-            <a:r>
-              <a:rPr lang="en-US" sz="800" dirty="0">
-                <a:latin typeface="Arial" charset="0"/>
-                <a:ea typeface="Arial" charset="0"/>
-                <a:cs typeface="Arial" charset="0"/>
-              </a:rPr>
-              <a:t> small generally accepted risk</a:t>
-            </a:r>
-          </a:p>
-          <a:p>
-            <a:r>
-              <a:rPr lang="en-US" sz="800" b="1" dirty="0">
-                <a:latin typeface="Arial" charset="0"/>
-                <a:ea typeface="Arial" charset="0"/>
-                <a:cs typeface="Arial" charset="0"/>
-              </a:rPr>
-              <a:t>Utility Function = Risk Tolerance:</a:t>
-            </a:r>
-            <a:r>
-              <a:rPr lang="en-US" sz="800" dirty="0">
-                <a:latin typeface="Arial" charset="0"/>
-                <a:ea typeface="Arial" charset="0"/>
-                <a:cs typeface="Arial" charset="0"/>
-              </a:rPr>
-              <a:t> willingness to accept risk</a:t>
+              <a:t>Paralingual</a:t>
+            </a:r>
+            <a:r>
+              <a:rPr lang="en-US" sz="800" dirty="0">
+                <a:latin typeface="Arial" charset="0"/>
+                <a:ea typeface="Arial" charset="0"/>
+                <a:cs typeface="Arial" charset="0"/>
+              </a:rPr>
+              <a:t>: pitch, tone, inflection</a:t>
+            </a:r>
+          </a:p>
+          <a:p>
+            <a:r>
+              <a:rPr lang="en-US" sz="800" b="1" dirty="0">
+                <a:latin typeface="Arial" charset="0"/>
+                <a:ea typeface="Arial" charset="0"/>
+                <a:cs typeface="Arial" charset="0"/>
+              </a:rPr>
+              <a:t>Written</a:t>
+            </a:r>
+            <a:r>
+              <a:rPr lang="en-US" sz="800" dirty="0">
+                <a:latin typeface="Arial" charset="0"/>
+                <a:ea typeface="Arial" charset="0"/>
+                <a:cs typeface="Arial" charset="0"/>
+              </a:rPr>
+              <a:t>: </a:t>
+            </a:r>
+            <a:r>
+              <a:rPr lang="en-US" sz="800" b="1" dirty="0">
+                <a:latin typeface="Arial" charset="0"/>
+                <a:ea typeface="Arial" charset="0"/>
+                <a:cs typeface="Arial" charset="0"/>
+              </a:rPr>
+              <a:t>formal</a:t>
+            </a:r>
+            <a:r>
+              <a:rPr lang="en-US" sz="800" dirty="0">
+                <a:latin typeface="Arial" charset="0"/>
+                <a:ea typeface="Arial" charset="0"/>
+                <a:cs typeface="Arial" charset="0"/>
+              </a:rPr>
+              <a:t>: plan, contract, resource requests, </a:t>
+            </a:r>
+            <a:r>
+              <a:rPr lang="en-US" sz="800" b="1" dirty="0">
+                <a:latin typeface="Arial" charset="0"/>
+                <a:ea typeface="Arial" charset="0"/>
+                <a:cs typeface="Arial" charset="0"/>
+              </a:rPr>
+              <a:t>informal</a:t>
+            </a:r>
+            <a:r>
+              <a:rPr lang="en-US" sz="800" dirty="0">
+                <a:latin typeface="Arial" charset="0"/>
+                <a:ea typeface="Arial" charset="0"/>
+                <a:cs typeface="Arial" charset="0"/>
+              </a:rPr>
+              <a:t>: notes, memos, email</a:t>
+            </a:r>
+          </a:p>
+          <a:p>
+            <a:r>
+              <a:rPr lang="en-US" sz="800" b="1" dirty="0">
+                <a:latin typeface="Arial" charset="0"/>
+                <a:ea typeface="Arial" charset="0"/>
+                <a:cs typeface="Arial" charset="0"/>
+              </a:rPr>
+              <a:t>Verbal</a:t>
+            </a:r>
+            <a:r>
+              <a:rPr lang="en-US" sz="800" dirty="0">
+                <a:latin typeface="Arial" charset="0"/>
+                <a:ea typeface="Arial" charset="0"/>
+                <a:cs typeface="Arial" charset="0"/>
+              </a:rPr>
+              <a:t>: </a:t>
+            </a:r>
+            <a:r>
+              <a:rPr lang="en-US" sz="800" b="1" dirty="0">
+                <a:latin typeface="Arial" charset="0"/>
+                <a:ea typeface="Arial" charset="0"/>
+                <a:cs typeface="Arial" charset="0"/>
+              </a:rPr>
+              <a:t>formal</a:t>
+            </a:r>
+            <a:r>
+              <a:rPr lang="en-US" sz="800" dirty="0">
+                <a:latin typeface="Arial" charset="0"/>
+                <a:ea typeface="Arial" charset="0"/>
+                <a:cs typeface="Arial" charset="0"/>
+              </a:rPr>
+              <a:t>: presentation, bidder conf., </a:t>
+            </a:r>
+            <a:r>
+              <a:rPr lang="en-US" sz="800" b="1" dirty="0">
+                <a:latin typeface="Arial" charset="0"/>
+                <a:ea typeface="Arial" charset="0"/>
+                <a:cs typeface="Arial" charset="0"/>
+              </a:rPr>
+              <a:t>informal</a:t>
+            </a:r>
+            <a:r>
+              <a:rPr lang="en-US" sz="800" dirty="0">
+                <a:latin typeface="Arial" charset="0"/>
+                <a:ea typeface="Arial" charset="0"/>
+                <a:cs typeface="Arial" charset="0"/>
+              </a:rPr>
+              <a:t>: conversation, 1</a:t>
+            </a:r>
+            <a:r>
+              <a:rPr lang="en-US" sz="800" baseline="30000" dirty="0">
+                <a:latin typeface="Arial" charset="0"/>
+                <a:ea typeface="Arial" charset="0"/>
+                <a:cs typeface="Arial" charset="0"/>
+              </a:rPr>
+              <a:t>st</a:t>
+            </a:r>
+            <a:r>
+              <a:rPr lang="en-US" sz="800" dirty="0">
+                <a:latin typeface="Arial" charset="0"/>
+                <a:ea typeface="Arial" charset="0"/>
+                <a:cs typeface="Arial" charset="0"/>
+              </a:rPr>
+              <a:t> poor performance notice</a:t>
+            </a:r>
+          </a:p>
+          <a:p>
+            <a:r>
+              <a:rPr lang="en-US" sz="800" b="1" dirty="0">
+                <a:latin typeface="Arial" charset="0"/>
+                <a:ea typeface="Arial" charset="0"/>
+                <a:cs typeface="Arial" charset="0"/>
+              </a:rPr>
+              <a:t>Effective listening:</a:t>
+            </a:r>
+            <a:r>
+              <a:rPr lang="en-US" sz="800" dirty="0">
+                <a:latin typeface="Arial" charset="0"/>
+                <a:ea typeface="Arial" charset="0"/>
+                <a:cs typeface="Arial" charset="0"/>
+              </a:rPr>
+              <a:t> interpreting nonverbals, questions, feedback</a:t>
+            </a:r>
+          </a:p>
+          <a:p>
+            <a:r>
+              <a:rPr lang="en-US" sz="800" b="1" dirty="0">
+                <a:latin typeface="Arial" charset="0"/>
+                <a:ea typeface="Arial" charset="0"/>
+                <a:cs typeface="Arial" charset="0"/>
+              </a:rPr>
+              <a:t>Active listening: </a:t>
+            </a:r>
+            <a:r>
+              <a:rPr lang="en-US" sz="800" dirty="0">
+                <a:latin typeface="Arial" charset="0"/>
+                <a:ea typeface="Arial" charset="0"/>
+                <a:cs typeface="Arial" charset="0"/>
+              </a:rPr>
+              <a:t>participation with verbal + nonverbal signs of message receipt</a:t>
             </a:r>
           </a:p>
           <a:p>
@@ -5311,206 +5634,154 @@
           </a:p>
           <a:p>
             <a:r>
-              <a:rPr lang="en-US" sz="800" dirty="0">
-                <a:latin typeface="Arial" charset="0"/>
-                <a:ea typeface="Arial" charset="0"/>
-                <a:cs typeface="Arial" charset="0"/>
-              </a:rPr>
-              <a:t>Sender, Encoder, Medium, Noise, Decoder, Receiver; Message sent; Info transferred.</a:t>
-            </a:r>
-          </a:p>
-          <a:p>
-            <a:r>
-              <a:rPr lang="en-US" sz="800" dirty="0">
-                <a:latin typeface="Arial" charset="0"/>
-                <a:ea typeface="Arial" charset="0"/>
-                <a:cs typeface="Arial" charset="0"/>
-              </a:rPr>
-              <a:t>55% nonverbal; </a:t>
-            </a:r>
-            <a:r>
-              <a:rPr lang="en-US" sz="800" b="1" dirty="0" err="1">
-                <a:latin typeface="Arial" charset="0"/>
-                <a:ea typeface="Arial" charset="0"/>
-                <a:cs typeface="Arial" charset="0"/>
-              </a:rPr>
-              <a:t>Paralingual</a:t>
-            </a:r>
-            <a:r>
-              <a:rPr lang="en-US" sz="800" dirty="0">
-                <a:latin typeface="Arial" charset="0"/>
-                <a:ea typeface="Arial" charset="0"/>
-                <a:cs typeface="Arial" charset="0"/>
-              </a:rPr>
-              <a:t>: pitch, tone, inflection</a:t>
-            </a:r>
-          </a:p>
-          <a:p>
-            <a:r>
-              <a:rPr lang="en-US" sz="800" b="1" dirty="0">
-                <a:latin typeface="Arial" charset="0"/>
-                <a:ea typeface="Arial" charset="0"/>
-                <a:cs typeface="Arial" charset="0"/>
-              </a:rPr>
-              <a:t>Written</a:t>
-            </a:r>
-            <a:r>
-              <a:rPr lang="en-US" sz="800" dirty="0">
-                <a:latin typeface="Arial" charset="0"/>
-                <a:ea typeface="Arial" charset="0"/>
-                <a:cs typeface="Arial" charset="0"/>
-              </a:rPr>
-              <a:t>: </a:t>
-            </a:r>
-            <a:r>
-              <a:rPr lang="en-US" sz="800" b="1" dirty="0">
-                <a:latin typeface="Arial" charset="0"/>
-                <a:ea typeface="Arial" charset="0"/>
-                <a:cs typeface="Arial" charset="0"/>
-              </a:rPr>
-              <a:t>form</a:t>
-            </a:r>
-            <a:r>
-              <a:rPr lang="en-US" sz="800" dirty="0">
-                <a:latin typeface="Arial" charset="0"/>
-                <a:ea typeface="Arial" charset="0"/>
-                <a:cs typeface="Arial" charset="0"/>
-              </a:rPr>
-              <a:t>: plan, contract, resource requests, </a:t>
-            </a:r>
-            <a:r>
-              <a:rPr lang="en-US" sz="800" b="1" dirty="0">
-                <a:latin typeface="Arial" charset="0"/>
-                <a:ea typeface="Arial" charset="0"/>
-                <a:cs typeface="Arial" charset="0"/>
-              </a:rPr>
-              <a:t>inform</a:t>
-            </a:r>
-            <a:r>
-              <a:rPr lang="en-US" sz="800" dirty="0">
-                <a:latin typeface="Arial" charset="0"/>
-                <a:ea typeface="Arial" charset="0"/>
-                <a:cs typeface="Arial" charset="0"/>
-              </a:rPr>
-              <a:t>: notes, memos, email</a:t>
-            </a:r>
-          </a:p>
-          <a:p>
-            <a:r>
-              <a:rPr lang="en-US" sz="800" b="1" dirty="0">
-                <a:latin typeface="Arial" charset="0"/>
-                <a:ea typeface="Arial" charset="0"/>
-                <a:cs typeface="Arial" charset="0"/>
-              </a:rPr>
-              <a:t>Verbal</a:t>
-            </a:r>
-            <a:r>
-              <a:rPr lang="en-US" sz="800" dirty="0">
-                <a:latin typeface="Arial" charset="0"/>
-                <a:ea typeface="Arial" charset="0"/>
-                <a:cs typeface="Arial" charset="0"/>
-              </a:rPr>
-              <a:t>: </a:t>
-            </a:r>
-            <a:r>
-              <a:rPr lang="en-US" sz="800" b="1" dirty="0">
-                <a:latin typeface="Arial" charset="0"/>
-                <a:ea typeface="Arial" charset="0"/>
-                <a:cs typeface="Arial" charset="0"/>
-              </a:rPr>
-              <a:t>form</a:t>
-            </a:r>
-            <a:r>
-              <a:rPr lang="en-US" sz="800" dirty="0">
-                <a:latin typeface="Arial" charset="0"/>
-                <a:ea typeface="Arial" charset="0"/>
-                <a:cs typeface="Arial" charset="0"/>
-              </a:rPr>
-              <a:t>: presentation, bidder conf., </a:t>
-            </a:r>
-            <a:r>
-              <a:rPr lang="en-US" sz="800" b="1" dirty="0">
-                <a:latin typeface="Arial" charset="0"/>
-                <a:ea typeface="Arial" charset="0"/>
-                <a:cs typeface="Arial" charset="0"/>
-              </a:rPr>
-              <a:t>inform</a:t>
-            </a:r>
-            <a:r>
-              <a:rPr lang="en-US" sz="800" dirty="0">
-                <a:latin typeface="Arial" charset="0"/>
-                <a:ea typeface="Arial" charset="0"/>
-                <a:cs typeface="Arial" charset="0"/>
-              </a:rPr>
-              <a:t>: conversation, 1</a:t>
-            </a:r>
-            <a:r>
-              <a:rPr lang="en-US" sz="800" baseline="30000" dirty="0">
-                <a:latin typeface="Arial" charset="0"/>
-                <a:ea typeface="Arial" charset="0"/>
-                <a:cs typeface="Arial" charset="0"/>
-              </a:rPr>
-              <a:t>st</a:t>
-            </a:r>
-            <a:r>
-              <a:rPr lang="en-US" sz="800" dirty="0">
-                <a:latin typeface="Arial" charset="0"/>
-                <a:ea typeface="Arial" charset="0"/>
-                <a:cs typeface="Arial" charset="0"/>
-              </a:rPr>
-              <a:t> poor performance notice</a:t>
-            </a:r>
-          </a:p>
-          <a:p>
-            <a:r>
-              <a:rPr lang="en-US" sz="800" b="1" dirty="0">
-                <a:latin typeface="Arial" charset="0"/>
-                <a:ea typeface="Arial" charset="0"/>
-                <a:cs typeface="Arial" charset="0"/>
-              </a:rPr>
-              <a:t>Effective listening:</a:t>
-            </a:r>
-            <a:r>
-              <a:rPr lang="en-US" sz="800" dirty="0">
-                <a:latin typeface="Arial" charset="0"/>
-                <a:ea typeface="Arial" charset="0"/>
-                <a:cs typeface="Arial" charset="0"/>
-              </a:rPr>
-              <a:t> interpreting </a:t>
-            </a:r>
-            <a:r>
-              <a:rPr lang="en-US" sz="800" dirty="0" err="1">
-                <a:latin typeface="Arial" charset="0"/>
-                <a:ea typeface="Arial" charset="0"/>
-                <a:cs typeface="Arial" charset="0"/>
-              </a:rPr>
-              <a:t>nonverbals</a:t>
-            </a:r>
-            <a:r>
-              <a:rPr lang="en-US" sz="800" dirty="0">
-                <a:latin typeface="Arial" charset="0"/>
-                <a:ea typeface="Arial" charset="0"/>
-                <a:cs typeface="Arial" charset="0"/>
-              </a:rPr>
-              <a:t>, questions, feedback</a:t>
-            </a:r>
-          </a:p>
-          <a:p>
-            <a:r>
-              <a:rPr lang="en-US" sz="800" b="1" dirty="0">
-                <a:latin typeface="Arial" charset="0"/>
-                <a:ea typeface="Arial" charset="0"/>
-                <a:cs typeface="Arial" charset="0"/>
-              </a:rPr>
-              <a:t>Active listening: </a:t>
-            </a:r>
-            <a:r>
-              <a:rPr lang="en-US" sz="800" dirty="0">
-                <a:latin typeface="Arial" charset="0"/>
-                <a:ea typeface="Arial" charset="0"/>
-                <a:cs typeface="Arial" charset="0"/>
-              </a:rPr>
-              <a:t>participation with verbal + nonverbal signs of message receipt</a:t>
+              <a:rPr lang="en-US" sz="800" b="1" dirty="0">
+                <a:latin typeface="Arial" charset="0"/>
+                <a:ea typeface="Arial" charset="0"/>
+                <a:cs typeface="Arial" charset="0"/>
+              </a:rPr>
+              <a:t>Cost Reimbursable:</a:t>
+            </a:r>
+            <a:r>
+              <a:rPr lang="en-US" sz="800" dirty="0">
+                <a:latin typeface="Arial" charset="0"/>
+                <a:ea typeface="Arial" charset="0"/>
+                <a:cs typeface="Arial" charset="0"/>
+              </a:rPr>
+              <a:t> Cost + Fee(award/incentive/fixed), </a:t>
+            </a:r>
+            <a:r>
+              <a:rPr lang="en-US" sz="800" b="1" dirty="0">
+                <a:latin typeface="Arial" charset="0"/>
+                <a:ea typeface="Arial" charset="0"/>
+                <a:cs typeface="Arial" charset="0"/>
+              </a:rPr>
+              <a:t>Time and Material</a:t>
+            </a:r>
+            <a:r>
+              <a:rPr lang="en-US" sz="800" dirty="0">
+                <a:latin typeface="Arial" charset="0"/>
+                <a:ea typeface="Arial" charset="0"/>
+                <a:cs typeface="Arial" charset="0"/>
+              </a:rPr>
+              <a:t>, </a:t>
+            </a:r>
+            <a:r>
+              <a:rPr lang="en-US" sz="800" b="1" dirty="0">
+                <a:latin typeface="Arial" charset="0"/>
+                <a:ea typeface="Arial" charset="0"/>
+                <a:cs typeface="Arial" charset="0"/>
+              </a:rPr>
+              <a:t>Fixed Price</a:t>
+            </a:r>
+          </a:p>
+          <a:p>
+            <a:r>
+              <a:rPr lang="en-US" sz="800" b="1" dirty="0">
+                <a:latin typeface="Arial" charset="0"/>
+                <a:ea typeface="Arial" charset="0"/>
+                <a:cs typeface="Arial" charset="0"/>
+              </a:rPr>
+              <a:t>Purchase order:</a:t>
+            </a:r>
+            <a:r>
+              <a:rPr lang="en-US" sz="800" dirty="0">
+                <a:latin typeface="Arial" charset="0"/>
+                <a:ea typeface="Arial" charset="0"/>
+                <a:cs typeface="Arial" charset="0"/>
+              </a:rPr>
+              <a:t> unilateral</a:t>
+            </a:r>
+            <a:r>
+              <a:rPr lang="en-US" sz="800" b="1" dirty="0">
+                <a:latin typeface="Arial" charset="0"/>
+                <a:ea typeface="Arial" charset="0"/>
+                <a:cs typeface="Arial" charset="0"/>
+              </a:rPr>
+              <a:t>, Letter of intent:</a:t>
+            </a:r>
+            <a:r>
+              <a:rPr lang="en-US" sz="800" dirty="0">
+                <a:latin typeface="Arial" charset="0"/>
+                <a:ea typeface="Arial" charset="0"/>
+                <a:cs typeface="Arial" charset="0"/>
+              </a:rPr>
+              <a:t> not binding</a:t>
+            </a:r>
+            <a:r>
+              <a:rPr lang="en-US" sz="800" b="1" dirty="0">
+                <a:latin typeface="Arial" charset="0"/>
+                <a:ea typeface="Arial" charset="0"/>
+                <a:cs typeface="Arial" charset="0"/>
+              </a:rPr>
+              <a:t>, </a:t>
+            </a:r>
+          </a:p>
+          <a:p>
+            <a:r>
+              <a:rPr lang="en-US" sz="800" b="1" dirty="0">
+                <a:latin typeface="Arial" charset="0"/>
+                <a:ea typeface="Arial" charset="0"/>
+                <a:cs typeface="Arial" charset="0"/>
+              </a:rPr>
+              <a:t>Letter contract:</a:t>
+            </a:r>
+            <a:r>
+              <a:rPr lang="en-US" sz="800" dirty="0">
+                <a:latin typeface="Arial" charset="0"/>
+                <a:ea typeface="Arial" charset="0"/>
+                <a:cs typeface="Arial" charset="0"/>
+              </a:rPr>
+              <a:t> short-term, stopgap or emergency response</a:t>
+            </a:r>
+          </a:p>
+          <a:p>
+            <a:r>
+              <a:rPr lang="en-US" sz="800" b="1" dirty="0">
+                <a:latin typeface="Arial" charset="0"/>
+                <a:ea typeface="Arial" charset="0"/>
+                <a:cs typeface="Arial" charset="0"/>
+              </a:rPr>
+              <a:t>Bidder-Conference: </a:t>
+            </a:r>
+            <a:r>
+              <a:rPr lang="en-US" sz="800" dirty="0">
+                <a:latin typeface="Arial" charset="0"/>
+                <a:ea typeface="Arial" charset="0"/>
+                <a:cs typeface="Arial" charset="0"/>
+              </a:rPr>
+              <a:t>questions about SOW, </a:t>
+            </a:r>
+            <a:r>
+              <a:rPr lang="en-US" sz="800" b="1" dirty="0">
+                <a:latin typeface="Arial" charset="0"/>
+                <a:ea typeface="Arial" charset="0"/>
+                <a:cs typeface="Arial" charset="0"/>
+              </a:rPr>
+              <a:t>Bid/Quote: </a:t>
+            </a:r>
+            <a:r>
+              <a:rPr lang="en-US" sz="800" dirty="0">
+                <a:latin typeface="Arial" charset="0"/>
+                <a:ea typeface="Arial" charset="0"/>
+                <a:cs typeface="Arial" charset="0"/>
+              </a:rPr>
+              <a:t>price, </a:t>
+            </a:r>
+            <a:r>
+              <a:rPr lang="en-US" sz="800" b="1" dirty="0">
+                <a:latin typeface="Arial" charset="0"/>
+                <a:ea typeface="Arial" charset="0"/>
+                <a:cs typeface="Arial" charset="0"/>
+              </a:rPr>
+              <a:t>Proposal:</a:t>
+            </a:r>
+            <a:r>
+              <a:rPr lang="en-US" sz="800" dirty="0">
+                <a:latin typeface="Arial" charset="0"/>
+                <a:ea typeface="Arial" charset="0"/>
+                <a:cs typeface="Arial" charset="0"/>
+              </a:rPr>
+              <a:t> ideas</a:t>
             </a:r>
           </a:p>
           <a:p>
@@ -5527,165 +5798,6 @@
                 <a:ea typeface="Arial" charset="0"/>
                 <a:cs typeface="Arial" charset="0"/>
               </a:rPr>
-              <a:t>Cost Reimbursable:</a:t>
-            </a:r>
-            <a:r>
-              <a:rPr lang="en-US" sz="800" dirty="0">
-                <a:latin typeface="Arial" charset="0"/>
-                <a:ea typeface="Arial" charset="0"/>
-                <a:cs typeface="Arial" charset="0"/>
-              </a:rPr>
-              <a:t> Cost + award/incentive/fixed Fee, </a:t>
-            </a:r>
-            <a:r>
-              <a:rPr lang="en-US" sz="800" b="1" dirty="0">
-                <a:latin typeface="Arial" charset="0"/>
-                <a:ea typeface="Arial" charset="0"/>
-                <a:cs typeface="Arial" charset="0"/>
-              </a:rPr>
-              <a:t>Time and Material</a:t>
-            </a:r>
-            <a:r>
-              <a:rPr lang="en-US" sz="800" dirty="0">
-                <a:latin typeface="Arial" charset="0"/>
-                <a:ea typeface="Arial" charset="0"/>
-                <a:cs typeface="Arial" charset="0"/>
-              </a:rPr>
-              <a:t>, </a:t>
-            </a:r>
-            <a:r>
-              <a:rPr lang="en-US" sz="800" b="1" dirty="0">
-                <a:latin typeface="Arial" charset="0"/>
-                <a:ea typeface="Arial" charset="0"/>
-                <a:cs typeface="Arial" charset="0"/>
-              </a:rPr>
-              <a:t>Fixed Price</a:t>
-            </a:r>
-          </a:p>
-          <a:p>
-            <a:r>
-              <a:rPr lang="en-US" sz="800" b="1" dirty="0">
-                <a:latin typeface="Arial" charset="0"/>
-                <a:ea typeface="Arial" charset="0"/>
-                <a:cs typeface="Arial" charset="0"/>
-              </a:rPr>
-              <a:t>Purchase order:</a:t>
-            </a:r>
-            <a:r>
-              <a:rPr lang="en-US" sz="800" dirty="0">
-                <a:latin typeface="Arial" charset="0"/>
-                <a:ea typeface="Arial" charset="0"/>
-                <a:cs typeface="Arial" charset="0"/>
-              </a:rPr>
-              <a:t> unilateral</a:t>
-            </a:r>
-            <a:r>
-              <a:rPr lang="en-US" sz="800" b="1" dirty="0">
-                <a:latin typeface="Arial" charset="0"/>
-                <a:ea typeface="Arial" charset="0"/>
-                <a:cs typeface="Arial" charset="0"/>
-              </a:rPr>
-              <a:t>, Letter of intent:</a:t>
-            </a:r>
-            <a:r>
-              <a:rPr lang="en-US" sz="800" dirty="0">
-                <a:latin typeface="Arial" charset="0"/>
-                <a:ea typeface="Arial" charset="0"/>
-                <a:cs typeface="Arial" charset="0"/>
-              </a:rPr>
-              <a:t> not binding</a:t>
-            </a:r>
-            <a:r>
-              <a:rPr lang="en-US" sz="800" b="1" dirty="0">
-                <a:latin typeface="Arial" charset="0"/>
-                <a:ea typeface="Arial" charset="0"/>
-                <a:cs typeface="Arial" charset="0"/>
-              </a:rPr>
-              <a:t>, </a:t>
-            </a:r>
-          </a:p>
-          <a:p>
-            <a:r>
-              <a:rPr lang="en-US" sz="800" b="1" dirty="0">
-                <a:latin typeface="Arial" charset="0"/>
-                <a:ea typeface="Arial" charset="0"/>
-                <a:cs typeface="Arial" charset="0"/>
-              </a:rPr>
-              <a:t>Letter contract:</a:t>
-            </a:r>
-            <a:r>
-              <a:rPr lang="en-US" sz="800" dirty="0">
-                <a:latin typeface="Arial" charset="0"/>
-                <a:ea typeface="Arial" charset="0"/>
-                <a:cs typeface="Arial" charset="0"/>
-              </a:rPr>
-              <a:t> short-term, stopgap or emergency response</a:t>
-            </a:r>
-          </a:p>
-          <a:p>
-            <a:r>
-              <a:rPr lang="en-US" sz="800" b="1" dirty="0">
-                <a:latin typeface="Arial" charset="0"/>
-                <a:ea typeface="Arial" charset="0"/>
-                <a:cs typeface="Arial" charset="0"/>
-              </a:rPr>
-              <a:t>Bidder-Conference: </a:t>
-            </a:r>
-            <a:r>
-              <a:rPr lang="en-US" sz="800" dirty="0">
-                <a:latin typeface="Arial" charset="0"/>
-                <a:ea typeface="Arial" charset="0"/>
-                <a:cs typeface="Arial" charset="0"/>
-              </a:rPr>
-              <a:t>questions about SOW, </a:t>
-            </a:r>
-            <a:r>
-              <a:rPr lang="en-US" sz="800" b="1" dirty="0">
-                <a:latin typeface="Arial" charset="0"/>
-                <a:ea typeface="Arial" charset="0"/>
-                <a:cs typeface="Arial" charset="0"/>
-              </a:rPr>
-              <a:t>Bid/Quote: </a:t>
-            </a:r>
-            <a:r>
-              <a:rPr lang="en-US" sz="800" dirty="0">
-                <a:latin typeface="Arial" charset="0"/>
-                <a:ea typeface="Arial" charset="0"/>
-                <a:cs typeface="Arial" charset="0"/>
-              </a:rPr>
-              <a:t>price, </a:t>
-            </a:r>
-            <a:r>
-              <a:rPr lang="en-US" sz="800" b="1" dirty="0">
-                <a:latin typeface="Arial" charset="0"/>
-                <a:ea typeface="Arial" charset="0"/>
-                <a:cs typeface="Arial" charset="0"/>
-              </a:rPr>
-              <a:t>Proposal:</a:t>
-            </a:r>
-            <a:r>
-              <a:rPr lang="en-US" sz="800" dirty="0">
-                <a:latin typeface="Arial" charset="0"/>
-                <a:ea typeface="Arial" charset="0"/>
-                <a:cs typeface="Arial" charset="0"/>
-              </a:rPr>
-              <a:t> ideas</a:t>
-            </a:r>
-          </a:p>
-          <a:p>
-            <a:endParaRPr lang="en-US" sz="800" dirty="0">
-              <a:latin typeface="Arial" charset="0"/>
-              <a:ea typeface="Arial" charset="0"/>
-              <a:cs typeface="Arial" charset="0"/>
-            </a:endParaRPr>
-          </a:p>
-          <a:p>
-            <a:r>
-              <a:rPr lang="en-US" sz="800" b="1" dirty="0">
-                <a:latin typeface="Arial" charset="0"/>
-                <a:ea typeface="Arial" charset="0"/>
-                <a:cs typeface="Arial" charset="0"/>
-              </a:rPr>
               <a:t>Stakeholder classification:</a:t>
             </a:r>
             <a:r>
@@ -5735,7 +5847,7 @@
         </p:nvSpPr>
         <p:spPr>
           <a:xfrm>
-            <a:off x="5066675" y="7708357"/>
+            <a:off x="5066675" y="8084137"/>
             <a:ext cx="1615088" cy="369332"/>
           </a:xfrm>
           <a:prstGeom prst="rect">

--- a/PMP/cheat sheet/PMP Cheat Sheet (PMBOK6).pptx
+++ b/PMP/cheat sheet/PMP Cheat Sheet (PMBOK6).pptx
@@ -243,7 +243,7 @@
           <a:p>
             <a:fld id="{07F3E820-8E0F-8F47-85B0-AFF03224420A}" type="datetimeFigureOut">
               <a:rPr lang="en-US" smtClean="0"/>
-              <a:t>1/28/2019</a:t>
+              <a:t>10/21/2019</a:t>
             </a:fld>
             <a:endParaRPr lang="en-US"/>
           </a:p>
@@ -408,7 +408,7 @@
           <a:p>
             <a:fld id="{07F3E820-8E0F-8F47-85B0-AFF03224420A}" type="datetimeFigureOut">
               <a:rPr lang="en-US" smtClean="0"/>
-              <a:t>1/28/2019</a:t>
+              <a:t>10/21/2019</a:t>
             </a:fld>
             <a:endParaRPr lang="en-US"/>
           </a:p>
@@ -583,7 +583,7 @@
           <a:p>
             <a:fld id="{07F3E820-8E0F-8F47-85B0-AFF03224420A}" type="datetimeFigureOut">
               <a:rPr lang="en-US" smtClean="0"/>
-              <a:t>1/28/2019</a:t>
+              <a:t>10/21/2019</a:t>
             </a:fld>
             <a:endParaRPr lang="en-US"/>
           </a:p>
@@ -748,7 +748,7 @@
           <a:p>
             <a:fld id="{07F3E820-8E0F-8F47-85B0-AFF03224420A}" type="datetimeFigureOut">
               <a:rPr lang="en-US" smtClean="0"/>
-              <a:t>1/28/2019</a:t>
+              <a:t>10/21/2019</a:t>
             </a:fld>
             <a:endParaRPr lang="en-US"/>
           </a:p>
@@ -987,7 +987,7 @@
           <a:p>
             <a:fld id="{07F3E820-8E0F-8F47-85B0-AFF03224420A}" type="datetimeFigureOut">
               <a:rPr lang="en-US" smtClean="0"/>
-              <a:t>1/28/2019</a:t>
+              <a:t>10/21/2019</a:t>
             </a:fld>
             <a:endParaRPr lang="en-US"/>
           </a:p>
@@ -1214,7 +1214,7 @@
           <a:p>
             <a:fld id="{07F3E820-8E0F-8F47-85B0-AFF03224420A}" type="datetimeFigureOut">
               <a:rPr lang="en-US" smtClean="0"/>
-              <a:t>1/28/2019</a:t>
+              <a:t>10/21/2019</a:t>
             </a:fld>
             <a:endParaRPr lang="en-US"/>
           </a:p>
@@ -1576,7 +1576,7 @@
           <a:p>
             <a:fld id="{07F3E820-8E0F-8F47-85B0-AFF03224420A}" type="datetimeFigureOut">
               <a:rPr lang="en-US" smtClean="0"/>
-              <a:t>1/28/2019</a:t>
+              <a:t>10/21/2019</a:t>
             </a:fld>
             <a:endParaRPr lang="en-US"/>
           </a:p>
@@ -1689,7 +1689,7 @@
           <a:p>
             <a:fld id="{07F3E820-8E0F-8F47-85B0-AFF03224420A}" type="datetimeFigureOut">
               <a:rPr lang="en-US" smtClean="0"/>
-              <a:t>1/28/2019</a:t>
+              <a:t>10/21/2019</a:t>
             </a:fld>
             <a:endParaRPr lang="en-US"/>
           </a:p>
@@ -1779,7 +1779,7 @@
           <a:p>
             <a:fld id="{07F3E820-8E0F-8F47-85B0-AFF03224420A}" type="datetimeFigureOut">
               <a:rPr lang="en-US" smtClean="0"/>
-              <a:t>1/28/2019</a:t>
+              <a:t>10/21/2019</a:t>
             </a:fld>
             <a:endParaRPr lang="en-US"/>
           </a:p>
@@ -2051,7 +2051,7 @@
           <a:p>
             <a:fld id="{07F3E820-8E0F-8F47-85B0-AFF03224420A}" type="datetimeFigureOut">
               <a:rPr lang="en-US" smtClean="0"/>
-              <a:t>1/28/2019</a:t>
+              <a:t>10/21/2019</a:t>
             </a:fld>
             <a:endParaRPr lang="en-US"/>
           </a:p>
@@ -2303,7 +2303,7 @@
           <a:p>
             <a:fld id="{07F3E820-8E0F-8F47-85B0-AFF03224420A}" type="datetimeFigureOut">
               <a:rPr lang="en-US" smtClean="0"/>
-              <a:t>1/28/2019</a:t>
+              <a:t>10/21/2019</a:t>
             </a:fld>
             <a:endParaRPr lang="en-US"/>
           </a:p>
@@ -2511,7 +2511,7 @@
           <a:p>
             <a:fld id="{07F3E820-8E0F-8F47-85B0-AFF03224420A}" type="datetimeFigureOut">
               <a:rPr lang="en-US" smtClean="0"/>
-              <a:t>1/28/2019</a:t>
+              <a:t>10/21/2019</a:t>
             </a:fld>
             <a:endParaRPr lang="en-US"/>
           </a:p>
@@ -3869,7 +3869,7 @@
         </p:nvSpPr>
         <p:spPr>
           <a:xfrm>
-            <a:off x="2105352" y="8084137"/>
+            <a:off x="2105352" y="8071258"/>
             <a:ext cx="1474494" cy="1477328"/>
           </a:xfrm>
           <a:prstGeom prst="rect">
@@ -3977,7 +3977,7 @@
         </p:nvSpPr>
         <p:spPr>
           <a:xfrm>
-            <a:off x="3579846" y="8084137"/>
+            <a:off x="3579846" y="8071258"/>
             <a:ext cx="1486829" cy="1477328"/>
           </a:xfrm>
           <a:prstGeom prst="rect">
@@ -4320,7 +4320,7 @@
         </p:nvSpPr>
         <p:spPr>
           <a:xfrm>
-            <a:off x="2105352" y="9536668"/>
+            <a:off x="2105352" y="9523789"/>
             <a:ext cx="4576411" cy="246221"/>
           </a:xfrm>
           <a:prstGeom prst="rect">
@@ -4366,7 +4366,7 @@
         <p:spPr>
           <a:xfrm>
             <a:off x="2105352" y="229387"/>
-            <a:ext cx="4576411" cy="7232749"/>
+            <a:ext cx="4576411" cy="7848302"/>
           </a:xfrm>
           <a:prstGeom prst="rect">
             <a:avLst/>
@@ -4734,13 +4734,8 @@
               </a:rPr>
               <a:t>-5%/+10%</a:t>
             </a:r>
-            <a:br>
-              <a:rPr lang="en-US" sz="800" dirty="0">
-                <a:latin typeface="Arial" charset="0"/>
-                <a:ea typeface="Arial" charset="0"/>
-                <a:cs typeface="Arial" charset="0"/>
-              </a:rPr>
-            </a:br>
+          </a:p>
+          <a:p>
             <a:r>
               <a:rPr lang="en-US" sz="800" b="1" dirty="0">
                 <a:latin typeface="Arial" charset="0"/>
@@ -4981,13 +4976,8 @@
               </a:rPr>
               <a:t>X: bad, lazy-&gt; micromanagement; Y: self-directed</a:t>
             </a:r>
-            <a:br>
-              <a:rPr lang="en-US" sz="800" dirty="0">
-                <a:latin typeface="Arial" charset="0"/>
-                <a:ea typeface="Arial" charset="0"/>
-                <a:cs typeface="Arial" charset="0"/>
-              </a:rPr>
-            </a:br>
+          </a:p>
+          <a:p>
             <a:r>
               <a:rPr lang="en-US" sz="800" b="1" dirty="0" err="1">
                 <a:latin typeface="Arial" charset="0"/>
@@ -5071,6 +5061,23 @@
             <a:r>
               <a:rPr lang="en-US" sz="800" b="1" dirty="0">
                 <a:latin typeface="Arial" charset="0"/>
+                <a:cs typeface="Arial" charset="0"/>
+              </a:rPr>
+              <a:t>Tuckman:</a:t>
+            </a:r>
+            <a:r>
+              <a:rPr lang="en-US" sz="800" dirty="0">
+                <a:latin typeface="Arial" charset="0"/>
+                <a:ea typeface="Arial" charset="0"/>
+                <a:cs typeface="Arial" charset="0"/>
+              </a:rPr>
+              <a:t> Forming, Storming (resisting), Norming (supporting), Performing, Adjourning</a:t>
+            </a:r>
+          </a:p>
+          <a:p>
+            <a:r>
+              <a:rPr lang="en-US" sz="800" b="1" dirty="0">
+                <a:latin typeface="Arial" charset="0"/>
                 <a:ea typeface="Arial" charset="0"/>
                 <a:cs typeface="Arial" charset="0"/>
               </a:rPr>
@@ -5134,13 +5141,13 @@
               </a:rPr>
               <a:t>, Encourager, Clarifier, Gate Keeper, Harmonizer, Summarizer</a:t>
             </a:r>
-            <a:br>
-              <a:rPr lang="en-US" sz="800" dirty="0">
-                <a:latin typeface="Arial" charset="0"/>
-                <a:ea typeface="Arial" charset="0"/>
-                <a:cs typeface="Arial" charset="0"/>
-              </a:rPr>
-            </a:br>
+            <a:endParaRPr lang="en-US" sz="800" dirty="0">
+              <a:latin typeface="Arial" charset="0"/>
+              <a:ea typeface="Arial" charset="0"/>
+              <a:cs typeface="Arial" charset="0"/>
+            </a:endParaRPr>
+          </a:p>
+          <a:p>
             <a:r>
               <a:rPr lang="en-US" sz="800" b="1" dirty="0">
                 <a:latin typeface="Arial" charset="0"/>
@@ -5248,7 +5255,7 @@
                 <a:ea typeface="Arial" charset="0"/>
                 <a:cs typeface="Arial" charset="0"/>
               </a:rPr>
-              <a:t>Avoid, Transfer, Mitigate, Accept, Exploit, Share, Enhance, Accept. </a:t>
+              <a:t>Avoid, Transfer, Mitigate, Accept, Exploit, Share, Enhance, Accept.</a:t>
             </a:r>
           </a:p>
           <a:p>
@@ -5268,13 +5275,8 @@
               </a:rPr>
               <a:t>Chance and impact of occurrence, prioritized list; ranking.</a:t>
             </a:r>
-            <a:br>
-              <a:rPr lang="en-US" sz="800" dirty="0">
-                <a:latin typeface="Arial" charset="0"/>
-                <a:ea typeface="Arial" charset="0"/>
-                <a:cs typeface="Arial" charset="0"/>
-              </a:rPr>
-            </a:br>
+          </a:p>
+          <a:p>
             <a:r>
               <a:rPr lang="en-US" sz="800" b="1" dirty="0">
                 <a:latin typeface="Arial" charset="0"/>
@@ -5439,22 +5441,30 @@
           </a:p>
           <a:p>
             <a:r>
-              <a:rPr lang="en-US" sz="800" dirty="0">
-                <a:latin typeface="Arial" charset="0"/>
-                <a:ea typeface="Arial" charset="0"/>
-                <a:cs typeface="Arial" charset="0"/>
-              </a:rPr>
-              <a:t>Sender, Encoder, Medium, Noise, Decoder, Receiver; Message sent; Info transferred.</a:t>
-            </a:r>
-          </a:p>
-          <a:p>
-            <a:r>
-              <a:rPr lang="en-US" sz="800" dirty="0">
-                <a:latin typeface="Arial" charset="0"/>
-                <a:ea typeface="Arial" charset="0"/>
-                <a:cs typeface="Arial" charset="0"/>
-              </a:rPr>
-              <a:t>55% nonverbal; </a:t>
+              <a:rPr lang="en-US" sz="800" b="1" dirty="0">
+                <a:latin typeface="Arial" charset="0"/>
+                <a:ea typeface="Arial" charset="0"/>
+                <a:cs typeface="Arial" charset="0"/>
+              </a:rPr>
+              <a:t>Communication Theory:</a:t>
+            </a:r>
+            <a:r>
+              <a:rPr lang="en-US" sz="800" dirty="0">
+                <a:latin typeface="Arial" charset="0"/>
+                <a:ea typeface="Arial" charset="0"/>
+                <a:cs typeface="Arial" charset="0"/>
+              </a:rPr>
+              <a:t> Sender, Encoder, Medium, Noise, Decoder, Receiver; </a:t>
+            </a:r>
+          </a:p>
+          <a:p>
+            <a:r>
+              <a:rPr lang="en-US" sz="800" dirty="0">
+                <a:latin typeface="Arial" charset="0"/>
+                <a:ea typeface="Arial" charset="0"/>
+                <a:cs typeface="Arial" charset="0"/>
+              </a:rPr>
+              <a:t>Message sent; Information transferred. 55% nonverbal; </a:t>
             </a:r>
             <a:r>
               <a:rPr lang="en-US" sz="800" b="1" dirty="0" err="1">
@@ -5470,7 +5480,7 @@
                 <a:ea typeface="Arial" charset="0"/>
                 <a:cs typeface="Arial" charset="0"/>
               </a:rPr>
-              <a:t>: pitch, tone, inflection</a:t>
+              <a:t>: pitch, tone, inflection; </a:t>
             </a:r>
           </a:p>
           <a:p>
@@ -5829,13 +5839,49 @@
           </a:p>
           <a:p>
             <a:r>
-              <a:rPr lang="en-US" sz="800" dirty="0">
-                <a:latin typeface="Arial" charset="0"/>
-                <a:ea typeface="Arial" charset="0"/>
-                <a:cs typeface="Arial" charset="0"/>
-              </a:rPr>
-              <a:t>Unaware, Resistant, Neutral, Supportive, Leading</a:t>
-            </a:r>
+              <a:rPr lang="en-US" sz="800" b="1" dirty="0">
+                <a:latin typeface="Arial" charset="0"/>
+                <a:ea typeface="Arial" charset="0"/>
+                <a:cs typeface="Arial" charset="0"/>
+              </a:rPr>
+              <a:t>Stakeholders engagement:</a:t>
+            </a:r>
+            <a:r>
+              <a:rPr lang="en-US" sz="800" dirty="0">
+                <a:latin typeface="Arial" charset="0"/>
+                <a:ea typeface="Arial" charset="0"/>
+                <a:cs typeface="Arial" charset="0"/>
+              </a:rPr>
+              <a:t> Unaware, Resistant, Neutral, Supportive, Leading</a:t>
+            </a:r>
+          </a:p>
+          <a:p>
+            <a:endParaRPr lang="en-US" sz="800" dirty="0">
+              <a:latin typeface="Arial" charset="0"/>
+              <a:ea typeface="Arial" charset="0"/>
+              <a:cs typeface="Arial" charset="0"/>
+            </a:endParaRPr>
+          </a:p>
+          <a:p>
+            <a:endParaRPr lang="en-US" sz="800" dirty="0">
+              <a:latin typeface="Arial" charset="0"/>
+              <a:ea typeface="Arial" charset="0"/>
+              <a:cs typeface="Arial" charset="0"/>
+            </a:endParaRPr>
+          </a:p>
+          <a:p>
+            <a:endParaRPr lang="en-US" sz="800" dirty="0">
+              <a:latin typeface="Arial" charset="0"/>
+              <a:ea typeface="Arial" charset="0"/>
+              <a:cs typeface="Arial" charset="0"/>
+            </a:endParaRPr>
+          </a:p>
+          <a:p>
+            <a:endParaRPr lang="en-US" sz="800" dirty="0">
+              <a:latin typeface="Arial" charset="0"/>
+              <a:ea typeface="Arial" charset="0"/>
+              <a:cs typeface="Arial" charset="0"/>
+            </a:endParaRPr>
           </a:p>
         </p:txBody>
       </p:sp>
@@ -5847,7 +5893,7 @@
         </p:nvSpPr>
         <p:spPr>
           <a:xfrm>
-            <a:off x="5066675" y="8084137"/>
+            <a:off x="5066675" y="8071258"/>
             <a:ext cx="1615088" cy="369332"/>
           </a:xfrm>
           <a:prstGeom prst="rect">
